--- a/think.pptx
+++ b/think.pptx
@@ -8,6 +8,7 @@
     <p:sldId id="256" r:id="rId2"/>
     <p:sldId id="259" r:id="rId3"/>
     <p:sldId id="257" r:id="rId4"/>
+    <p:sldId id="260" r:id="rId5"/>
   </p:sldIdLst>
   <p:sldSz cx="12192000" cy="6858000"/>
   <p:notesSz cx="6858000" cy="9144000"/>
@@ -261,7 +262,7 @@
           <a:p>
             <a:fld id="{0A1F3D10-1D44-4460-86C1-E37C762D5554}" type="datetimeFigureOut">
               <a:rPr lang="zh-TW" altLang="en-US" smtClean="0"/>
-              <a:t>2023/12/17</a:t>
+              <a:t>2023/12/25</a:t>
             </a:fld>
             <a:endParaRPr lang="zh-TW" altLang="en-US"/>
           </a:p>
@@ -459,7 +460,7 @@
           <a:p>
             <a:fld id="{0A1F3D10-1D44-4460-86C1-E37C762D5554}" type="datetimeFigureOut">
               <a:rPr lang="zh-TW" altLang="en-US" smtClean="0"/>
-              <a:t>2023/12/17</a:t>
+              <a:t>2023/12/25</a:t>
             </a:fld>
             <a:endParaRPr lang="zh-TW" altLang="en-US"/>
           </a:p>
@@ -667,7 +668,7 @@
           <a:p>
             <a:fld id="{0A1F3D10-1D44-4460-86C1-E37C762D5554}" type="datetimeFigureOut">
               <a:rPr lang="zh-TW" altLang="en-US" smtClean="0"/>
-              <a:t>2023/12/17</a:t>
+              <a:t>2023/12/25</a:t>
             </a:fld>
             <a:endParaRPr lang="zh-TW" altLang="en-US"/>
           </a:p>
@@ -865,7 +866,7 @@
           <a:p>
             <a:fld id="{0A1F3D10-1D44-4460-86C1-E37C762D5554}" type="datetimeFigureOut">
               <a:rPr lang="zh-TW" altLang="en-US" smtClean="0"/>
-              <a:t>2023/12/17</a:t>
+              <a:t>2023/12/25</a:t>
             </a:fld>
             <a:endParaRPr lang="zh-TW" altLang="en-US"/>
           </a:p>
@@ -1140,7 +1141,7 @@
           <a:p>
             <a:fld id="{0A1F3D10-1D44-4460-86C1-E37C762D5554}" type="datetimeFigureOut">
               <a:rPr lang="zh-TW" altLang="en-US" smtClean="0"/>
-              <a:t>2023/12/17</a:t>
+              <a:t>2023/12/25</a:t>
             </a:fld>
             <a:endParaRPr lang="zh-TW" altLang="en-US"/>
           </a:p>
@@ -1405,7 +1406,7 @@
           <a:p>
             <a:fld id="{0A1F3D10-1D44-4460-86C1-E37C762D5554}" type="datetimeFigureOut">
               <a:rPr lang="zh-TW" altLang="en-US" smtClean="0"/>
-              <a:t>2023/12/17</a:t>
+              <a:t>2023/12/25</a:t>
             </a:fld>
             <a:endParaRPr lang="zh-TW" altLang="en-US"/>
           </a:p>
@@ -1817,7 +1818,7 @@
           <a:p>
             <a:fld id="{0A1F3D10-1D44-4460-86C1-E37C762D5554}" type="datetimeFigureOut">
               <a:rPr lang="zh-TW" altLang="en-US" smtClean="0"/>
-              <a:t>2023/12/17</a:t>
+              <a:t>2023/12/25</a:t>
             </a:fld>
             <a:endParaRPr lang="zh-TW" altLang="en-US"/>
           </a:p>
@@ -1958,7 +1959,7 @@
           <a:p>
             <a:fld id="{0A1F3D10-1D44-4460-86C1-E37C762D5554}" type="datetimeFigureOut">
               <a:rPr lang="zh-TW" altLang="en-US" smtClean="0"/>
-              <a:t>2023/12/17</a:t>
+              <a:t>2023/12/25</a:t>
             </a:fld>
             <a:endParaRPr lang="zh-TW" altLang="en-US"/>
           </a:p>
@@ -2071,7 +2072,7 @@
           <a:p>
             <a:fld id="{0A1F3D10-1D44-4460-86C1-E37C762D5554}" type="datetimeFigureOut">
               <a:rPr lang="zh-TW" altLang="en-US" smtClean="0"/>
-              <a:t>2023/12/17</a:t>
+              <a:t>2023/12/25</a:t>
             </a:fld>
             <a:endParaRPr lang="zh-TW" altLang="en-US"/>
           </a:p>
@@ -2382,7 +2383,7 @@
           <a:p>
             <a:fld id="{0A1F3D10-1D44-4460-86C1-E37C762D5554}" type="datetimeFigureOut">
               <a:rPr lang="zh-TW" altLang="en-US" smtClean="0"/>
-              <a:t>2023/12/17</a:t>
+              <a:t>2023/12/25</a:t>
             </a:fld>
             <a:endParaRPr lang="zh-TW" altLang="en-US"/>
           </a:p>
@@ -2670,7 +2671,7 @@
           <a:p>
             <a:fld id="{0A1F3D10-1D44-4460-86C1-E37C762D5554}" type="datetimeFigureOut">
               <a:rPr lang="zh-TW" altLang="en-US" smtClean="0"/>
-              <a:t>2023/12/17</a:t>
+              <a:t>2023/12/25</a:t>
             </a:fld>
             <a:endParaRPr lang="zh-TW" altLang="en-US"/>
           </a:p>
@@ -2911,7 +2912,7 @@
           <a:p>
             <a:fld id="{0A1F3D10-1D44-4460-86C1-E37C762D5554}" type="datetimeFigureOut">
               <a:rPr lang="zh-TW" altLang="en-US" smtClean="0"/>
-              <a:t>2023/12/17</a:t>
+              <a:t>2023/12/25</a:t>
             </a:fld>
             <a:endParaRPr lang="zh-TW" altLang="en-US"/>
           </a:p>
@@ -10749,6 +10750,2369 @@
 </p:sld>
 </file>
 
+<file path=ppt/slides/slide4.xml><?xml version="1.0" encoding="utf-8"?>
+<p:sld xmlns:a="http://schemas.openxmlformats.org/drawingml/2006/main" xmlns:r="http://schemas.openxmlformats.org/officeDocument/2006/relationships" xmlns:p="http://schemas.openxmlformats.org/presentationml/2006/main">
+  <p:cSld>
+    <p:spTree>
+      <p:nvGrpSpPr>
+        <p:cNvPr id="1" name=""/>
+        <p:cNvGrpSpPr/>
+        <p:nvPr/>
+      </p:nvGrpSpPr>
+      <p:grpSpPr>
+        <a:xfrm>
+          <a:off x="0" y="0"/>
+          <a:ext cx="0" cy="0"/>
+          <a:chOff x="0" y="0"/>
+          <a:chExt cx="0" cy="0"/>
+        </a:xfrm>
+      </p:grpSpPr>
+      <p:sp>
+        <p:nvSpPr>
+          <p:cNvPr id="4" name="等腰三角形 3">
+            <a:extLst>
+              <a:ext uri="{FF2B5EF4-FFF2-40B4-BE49-F238E27FC236}">
+                <a16:creationId xmlns:a16="http://schemas.microsoft.com/office/drawing/2014/main" id="{31DBBCB4-86B5-0799-8D1A-FE86AFE89DDA}"/>
+              </a:ext>
+            </a:extLst>
+          </p:cNvPr>
+          <p:cNvSpPr/>
+          <p:nvPr/>
+        </p:nvSpPr>
+        <p:spPr>
+          <a:xfrm rot="12699188">
+            <a:off x="1851268" y="1923844"/>
+            <a:ext cx="3019266" cy="726724"/>
+          </a:xfrm>
+          <a:prstGeom prst="triangle">
+            <a:avLst>
+              <a:gd name="adj" fmla="val 39060"/>
+            </a:avLst>
+          </a:prstGeom>
+          <a:solidFill>
+            <a:schemeClr val="accent5">
+              <a:lumMod val="20000"/>
+              <a:lumOff val="80000"/>
+            </a:schemeClr>
+          </a:solidFill>
+        </p:spPr>
+        <p:style>
+          <a:lnRef idx="2">
+            <a:schemeClr val="accent1">
+              <a:shade val="15000"/>
+            </a:schemeClr>
+          </a:lnRef>
+          <a:fillRef idx="1">
+            <a:schemeClr val="accent1"/>
+          </a:fillRef>
+          <a:effectRef idx="0">
+            <a:schemeClr val="accent1"/>
+          </a:effectRef>
+          <a:fontRef idx="minor">
+            <a:schemeClr val="lt1"/>
+          </a:fontRef>
+        </p:style>
+        <p:txBody>
+          <a:bodyPr rtlCol="0" anchor="ctr"/>
+          <a:lstStyle/>
+          <a:p>
+            <a:pPr algn="ctr"/>
+            <a:endParaRPr lang="zh-TW" altLang="en-US"/>
+          </a:p>
+        </p:txBody>
+      </p:sp>
+      <p:cxnSp>
+        <p:nvCxnSpPr>
+          <p:cNvPr id="6" name="直線接點 5">
+            <a:extLst>
+              <a:ext uri="{FF2B5EF4-FFF2-40B4-BE49-F238E27FC236}">
+                <a16:creationId xmlns:a16="http://schemas.microsoft.com/office/drawing/2014/main" id="{BB23E4C2-3AE4-CACE-3759-2445F3C09F43}"/>
+              </a:ext>
+            </a:extLst>
+          </p:cNvPr>
+          <p:cNvCxnSpPr>
+            <a:cxnSpLocks/>
+            <a:endCxn id="4" idx="2"/>
+          </p:cNvCxnSpPr>
+          <p:nvPr/>
+        </p:nvCxnSpPr>
+        <p:spPr>
+          <a:xfrm>
+            <a:off x="2077720" y="2770116"/>
+            <a:ext cx="2758925" cy="0"/>
+          </a:xfrm>
+          <a:prstGeom prst="line">
+            <a:avLst/>
+          </a:prstGeom>
+          <a:ln w="19050">
+            <a:solidFill>
+              <a:schemeClr val="tx1"/>
+            </a:solidFill>
+          </a:ln>
+        </p:spPr>
+        <p:style>
+          <a:lnRef idx="1">
+            <a:schemeClr val="accent1"/>
+          </a:lnRef>
+          <a:fillRef idx="0">
+            <a:schemeClr val="accent1"/>
+          </a:fillRef>
+          <a:effectRef idx="0">
+            <a:schemeClr val="accent1"/>
+          </a:effectRef>
+          <a:fontRef idx="minor">
+            <a:schemeClr val="tx1"/>
+          </a:fontRef>
+        </p:style>
+      </p:cxnSp>
+      <p:cxnSp>
+        <p:nvCxnSpPr>
+          <p:cNvPr id="15" name="直線接點 14">
+            <a:extLst>
+              <a:ext uri="{FF2B5EF4-FFF2-40B4-BE49-F238E27FC236}">
+                <a16:creationId xmlns:a16="http://schemas.microsoft.com/office/drawing/2014/main" id="{8D79A5A4-113B-9622-D101-7FC4FB0B507F}"/>
+              </a:ext>
+            </a:extLst>
+          </p:cNvPr>
+          <p:cNvCxnSpPr>
+            <a:cxnSpLocks/>
+            <a:stCxn id="4" idx="4"/>
+          </p:cNvCxnSpPr>
+          <p:nvPr/>
+        </p:nvCxnSpPr>
+        <p:spPr>
+          <a:xfrm>
+            <a:off x="2266524" y="1185679"/>
+            <a:ext cx="0" cy="1587569"/>
+          </a:xfrm>
+          <a:prstGeom prst="line">
+            <a:avLst/>
+          </a:prstGeom>
+          <a:ln w="19050">
+            <a:solidFill>
+              <a:schemeClr val="tx1"/>
+            </a:solidFill>
+          </a:ln>
+        </p:spPr>
+        <p:style>
+          <a:lnRef idx="1">
+            <a:schemeClr val="accent1"/>
+          </a:lnRef>
+          <a:fillRef idx="0">
+            <a:schemeClr val="accent1"/>
+          </a:fillRef>
+          <a:effectRef idx="0">
+            <a:schemeClr val="accent1"/>
+          </a:effectRef>
+          <a:fontRef idx="minor">
+            <a:schemeClr val="tx1"/>
+          </a:fontRef>
+        </p:style>
+      </p:cxnSp>
+      <p:sp>
+        <p:nvSpPr>
+          <p:cNvPr id="20" name="等腰三角形 19">
+            <a:extLst>
+              <a:ext uri="{FF2B5EF4-FFF2-40B4-BE49-F238E27FC236}">
+                <a16:creationId xmlns:a16="http://schemas.microsoft.com/office/drawing/2014/main" id="{9B6669D4-1F78-8B22-BD80-CD293D7D449E}"/>
+              </a:ext>
+            </a:extLst>
+          </p:cNvPr>
+          <p:cNvSpPr/>
+          <p:nvPr/>
+        </p:nvSpPr>
+        <p:spPr>
+          <a:xfrm rot="12699188">
+            <a:off x="3746108" y="1923844"/>
+            <a:ext cx="3019266" cy="726724"/>
+          </a:xfrm>
+          <a:prstGeom prst="triangle">
+            <a:avLst>
+              <a:gd name="adj" fmla="val 39060"/>
+            </a:avLst>
+          </a:prstGeom>
+          <a:solidFill>
+            <a:schemeClr val="accent5">
+              <a:lumMod val="20000"/>
+              <a:lumOff val="80000"/>
+            </a:schemeClr>
+          </a:solidFill>
+        </p:spPr>
+        <p:style>
+          <a:lnRef idx="2">
+            <a:schemeClr val="accent1">
+              <a:shade val="15000"/>
+            </a:schemeClr>
+          </a:lnRef>
+          <a:fillRef idx="1">
+            <a:schemeClr val="accent1"/>
+          </a:fillRef>
+          <a:effectRef idx="0">
+            <a:schemeClr val="accent1"/>
+          </a:effectRef>
+          <a:fontRef idx="minor">
+            <a:schemeClr val="lt1"/>
+          </a:fontRef>
+        </p:style>
+        <p:txBody>
+          <a:bodyPr rtlCol="0" anchor="ctr"/>
+          <a:lstStyle/>
+          <a:p>
+            <a:pPr algn="ctr"/>
+            <a:endParaRPr lang="zh-TW" altLang="en-US"/>
+          </a:p>
+        </p:txBody>
+      </p:sp>
+      <p:sp>
+        <p:nvSpPr>
+          <p:cNvPr id="21" name="等腰三角形 20">
+            <a:extLst>
+              <a:ext uri="{FF2B5EF4-FFF2-40B4-BE49-F238E27FC236}">
+                <a16:creationId xmlns:a16="http://schemas.microsoft.com/office/drawing/2014/main" id="{0968D115-3149-F053-93EB-BC2D6A30F656}"/>
+              </a:ext>
+            </a:extLst>
+          </p:cNvPr>
+          <p:cNvSpPr/>
+          <p:nvPr/>
+        </p:nvSpPr>
+        <p:spPr>
+          <a:xfrm rot="12699188">
+            <a:off x="2744098" y="2174053"/>
+            <a:ext cx="2055508" cy="729608"/>
+          </a:xfrm>
+          <a:custGeom>
+            <a:avLst/>
+            <a:gdLst>
+              <a:gd name="connsiteX0" fmla="*/ 0 w 3019266"/>
+              <a:gd name="connsiteY0" fmla="*/ 726724 h 726724"/>
+              <a:gd name="connsiteX1" fmla="*/ 1179325 w 3019266"/>
+              <a:gd name="connsiteY1" fmla="*/ 0 h 726724"/>
+              <a:gd name="connsiteX2" fmla="*/ 3019266 w 3019266"/>
+              <a:gd name="connsiteY2" fmla="*/ 726724 h 726724"/>
+              <a:gd name="connsiteX3" fmla="*/ 0 w 3019266"/>
+              <a:gd name="connsiteY3" fmla="*/ 726724 h 726724"/>
+              <a:gd name="connsiteX0" fmla="*/ 0 w 3019266"/>
+              <a:gd name="connsiteY0" fmla="*/ 726724 h 729347"/>
+              <a:gd name="connsiteX1" fmla="*/ 1179325 w 3019266"/>
+              <a:gd name="connsiteY1" fmla="*/ 0 h 729347"/>
+              <a:gd name="connsiteX2" fmla="*/ 3019266 w 3019266"/>
+              <a:gd name="connsiteY2" fmla="*/ 726724 h 729347"/>
+              <a:gd name="connsiteX3" fmla="*/ 2186388 w 3019266"/>
+              <a:gd name="connsiteY3" fmla="*/ 729347 h 729347"/>
+              <a:gd name="connsiteX4" fmla="*/ 0 w 3019266"/>
+              <a:gd name="connsiteY4" fmla="*/ 726724 h 729347"/>
+              <a:gd name="connsiteX0" fmla="*/ 0 w 3019266"/>
+              <a:gd name="connsiteY0" fmla="*/ 726724 h 729608"/>
+              <a:gd name="connsiteX1" fmla="*/ 1179325 w 3019266"/>
+              <a:gd name="connsiteY1" fmla="*/ 0 h 729608"/>
+              <a:gd name="connsiteX2" fmla="*/ 3019266 w 3019266"/>
+              <a:gd name="connsiteY2" fmla="*/ 726724 h 729608"/>
+              <a:gd name="connsiteX3" fmla="*/ 1440579 w 3019266"/>
+              <a:gd name="connsiteY3" fmla="*/ 729608 h 729608"/>
+              <a:gd name="connsiteX4" fmla="*/ 0 w 3019266"/>
+              <a:gd name="connsiteY4" fmla="*/ 726724 h 729608"/>
+              <a:gd name="connsiteX0" fmla="*/ 0 w 2047510"/>
+              <a:gd name="connsiteY0" fmla="*/ 726724 h 729608"/>
+              <a:gd name="connsiteX1" fmla="*/ 1179325 w 2047510"/>
+              <a:gd name="connsiteY1" fmla="*/ 0 h 729608"/>
+              <a:gd name="connsiteX2" fmla="*/ 2047510 w 2047510"/>
+              <a:gd name="connsiteY2" fmla="*/ 341115 h 729608"/>
+              <a:gd name="connsiteX3" fmla="*/ 1440579 w 2047510"/>
+              <a:gd name="connsiteY3" fmla="*/ 729608 h 729608"/>
+              <a:gd name="connsiteX4" fmla="*/ 0 w 2047510"/>
+              <a:gd name="connsiteY4" fmla="*/ 726724 h 729608"/>
+              <a:gd name="connsiteX0" fmla="*/ 0 w 2055508"/>
+              <a:gd name="connsiteY0" fmla="*/ 726724 h 729608"/>
+              <a:gd name="connsiteX1" fmla="*/ 1179325 w 2055508"/>
+              <a:gd name="connsiteY1" fmla="*/ 0 h 729608"/>
+              <a:gd name="connsiteX2" fmla="*/ 2055508 w 2055508"/>
+              <a:gd name="connsiteY2" fmla="*/ 354088 h 729608"/>
+              <a:gd name="connsiteX3" fmla="*/ 1440579 w 2055508"/>
+              <a:gd name="connsiteY3" fmla="*/ 729608 h 729608"/>
+              <a:gd name="connsiteX4" fmla="*/ 0 w 2055508"/>
+              <a:gd name="connsiteY4" fmla="*/ 726724 h 729608"/>
+            </a:gdLst>
+            <a:ahLst/>
+            <a:cxnLst>
+              <a:cxn ang="0">
+                <a:pos x="connsiteX0" y="connsiteY0"/>
+              </a:cxn>
+              <a:cxn ang="0">
+                <a:pos x="connsiteX1" y="connsiteY1"/>
+              </a:cxn>
+              <a:cxn ang="0">
+                <a:pos x="connsiteX2" y="connsiteY2"/>
+              </a:cxn>
+              <a:cxn ang="0">
+                <a:pos x="connsiteX3" y="connsiteY3"/>
+              </a:cxn>
+              <a:cxn ang="0">
+                <a:pos x="connsiteX4" y="connsiteY4"/>
+              </a:cxn>
+            </a:cxnLst>
+            <a:rect l="l" t="t" r="r" b="b"/>
+            <a:pathLst>
+              <a:path w="2055508" h="729608">
+                <a:moveTo>
+                  <a:pt x="0" y="726724"/>
+                </a:moveTo>
+                <a:lnTo>
+                  <a:pt x="1179325" y="0"/>
+                </a:lnTo>
+                <a:lnTo>
+                  <a:pt x="2055508" y="354088"/>
+                </a:lnTo>
+                <a:lnTo>
+                  <a:pt x="1440579" y="729608"/>
+                </a:lnTo>
+                <a:lnTo>
+                  <a:pt x="0" y="726724"/>
+                </a:lnTo>
+                <a:close/>
+              </a:path>
+            </a:pathLst>
+          </a:custGeom>
+          <a:solidFill>
+            <a:schemeClr val="accent1">
+              <a:lumMod val="40000"/>
+              <a:lumOff val="60000"/>
+            </a:schemeClr>
+          </a:solidFill>
+        </p:spPr>
+        <p:style>
+          <a:lnRef idx="2">
+            <a:schemeClr val="accent1">
+              <a:shade val="15000"/>
+            </a:schemeClr>
+          </a:lnRef>
+          <a:fillRef idx="1">
+            <a:schemeClr val="accent1"/>
+          </a:fillRef>
+          <a:effectRef idx="0">
+            <a:schemeClr val="accent1"/>
+          </a:effectRef>
+          <a:fontRef idx="minor">
+            <a:schemeClr val="lt1"/>
+          </a:fontRef>
+        </p:style>
+        <p:txBody>
+          <a:bodyPr rtlCol="0" anchor="ctr"/>
+          <a:lstStyle/>
+          <a:p>
+            <a:pPr algn="ctr"/>
+            <a:endParaRPr lang="zh-TW" altLang="en-US"/>
+          </a:p>
+        </p:txBody>
+      </p:sp>
+      <p:sp>
+        <p:nvSpPr>
+          <p:cNvPr id="22" name="等腰三角形 20">
+            <a:extLst>
+              <a:ext uri="{FF2B5EF4-FFF2-40B4-BE49-F238E27FC236}">
+                <a16:creationId xmlns:a16="http://schemas.microsoft.com/office/drawing/2014/main" id="{6D065252-93CF-A246-927B-D9DDDA1701F2}"/>
+              </a:ext>
+            </a:extLst>
+          </p:cNvPr>
+          <p:cNvSpPr/>
+          <p:nvPr/>
+        </p:nvSpPr>
+        <p:spPr>
+          <a:xfrm rot="12699188">
+            <a:off x="4637426" y="2174053"/>
+            <a:ext cx="2055508" cy="729608"/>
+          </a:xfrm>
+          <a:custGeom>
+            <a:avLst/>
+            <a:gdLst>
+              <a:gd name="connsiteX0" fmla="*/ 0 w 3019266"/>
+              <a:gd name="connsiteY0" fmla="*/ 726724 h 726724"/>
+              <a:gd name="connsiteX1" fmla="*/ 1179325 w 3019266"/>
+              <a:gd name="connsiteY1" fmla="*/ 0 h 726724"/>
+              <a:gd name="connsiteX2" fmla="*/ 3019266 w 3019266"/>
+              <a:gd name="connsiteY2" fmla="*/ 726724 h 726724"/>
+              <a:gd name="connsiteX3" fmla="*/ 0 w 3019266"/>
+              <a:gd name="connsiteY3" fmla="*/ 726724 h 726724"/>
+              <a:gd name="connsiteX0" fmla="*/ 0 w 3019266"/>
+              <a:gd name="connsiteY0" fmla="*/ 726724 h 729347"/>
+              <a:gd name="connsiteX1" fmla="*/ 1179325 w 3019266"/>
+              <a:gd name="connsiteY1" fmla="*/ 0 h 729347"/>
+              <a:gd name="connsiteX2" fmla="*/ 3019266 w 3019266"/>
+              <a:gd name="connsiteY2" fmla="*/ 726724 h 729347"/>
+              <a:gd name="connsiteX3" fmla="*/ 2186388 w 3019266"/>
+              <a:gd name="connsiteY3" fmla="*/ 729347 h 729347"/>
+              <a:gd name="connsiteX4" fmla="*/ 0 w 3019266"/>
+              <a:gd name="connsiteY4" fmla="*/ 726724 h 729347"/>
+              <a:gd name="connsiteX0" fmla="*/ 0 w 3019266"/>
+              <a:gd name="connsiteY0" fmla="*/ 726724 h 729608"/>
+              <a:gd name="connsiteX1" fmla="*/ 1179325 w 3019266"/>
+              <a:gd name="connsiteY1" fmla="*/ 0 h 729608"/>
+              <a:gd name="connsiteX2" fmla="*/ 3019266 w 3019266"/>
+              <a:gd name="connsiteY2" fmla="*/ 726724 h 729608"/>
+              <a:gd name="connsiteX3" fmla="*/ 1440579 w 3019266"/>
+              <a:gd name="connsiteY3" fmla="*/ 729608 h 729608"/>
+              <a:gd name="connsiteX4" fmla="*/ 0 w 3019266"/>
+              <a:gd name="connsiteY4" fmla="*/ 726724 h 729608"/>
+              <a:gd name="connsiteX0" fmla="*/ 0 w 2047510"/>
+              <a:gd name="connsiteY0" fmla="*/ 726724 h 729608"/>
+              <a:gd name="connsiteX1" fmla="*/ 1179325 w 2047510"/>
+              <a:gd name="connsiteY1" fmla="*/ 0 h 729608"/>
+              <a:gd name="connsiteX2" fmla="*/ 2047510 w 2047510"/>
+              <a:gd name="connsiteY2" fmla="*/ 341115 h 729608"/>
+              <a:gd name="connsiteX3" fmla="*/ 1440579 w 2047510"/>
+              <a:gd name="connsiteY3" fmla="*/ 729608 h 729608"/>
+              <a:gd name="connsiteX4" fmla="*/ 0 w 2047510"/>
+              <a:gd name="connsiteY4" fmla="*/ 726724 h 729608"/>
+              <a:gd name="connsiteX0" fmla="*/ 0 w 2055508"/>
+              <a:gd name="connsiteY0" fmla="*/ 726724 h 729608"/>
+              <a:gd name="connsiteX1" fmla="*/ 1179325 w 2055508"/>
+              <a:gd name="connsiteY1" fmla="*/ 0 h 729608"/>
+              <a:gd name="connsiteX2" fmla="*/ 2055508 w 2055508"/>
+              <a:gd name="connsiteY2" fmla="*/ 354088 h 729608"/>
+              <a:gd name="connsiteX3" fmla="*/ 1440579 w 2055508"/>
+              <a:gd name="connsiteY3" fmla="*/ 729608 h 729608"/>
+              <a:gd name="connsiteX4" fmla="*/ 0 w 2055508"/>
+              <a:gd name="connsiteY4" fmla="*/ 726724 h 729608"/>
+            </a:gdLst>
+            <a:ahLst/>
+            <a:cxnLst>
+              <a:cxn ang="0">
+                <a:pos x="connsiteX0" y="connsiteY0"/>
+              </a:cxn>
+              <a:cxn ang="0">
+                <a:pos x="connsiteX1" y="connsiteY1"/>
+              </a:cxn>
+              <a:cxn ang="0">
+                <a:pos x="connsiteX2" y="connsiteY2"/>
+              </a:cxn>
+              <a:cxn ang="0">
+                <a:pos x="connsiteX3" y="connsiteY3"/>
+              </a:cxn>
+              <a:cxn ang="0">
+                <a:pos x="connsiteX4" y="connsiteY4"/>
+              </a:cxn>
+            </a:cxnLst>
+            <a:rect l="l" t="t" r="r" b="b"/>
+            <a:pathLst>
+              <a:path w="2055508" h="729608">
+                <a:moveTo>
+                  <a:pt x="0" y="726724"/>
+                </a:moveTo>
+                <a:lnTo>
+                  <a:pt x="1179325" y="0"/>
+                </a:lnTo>
+                <a:lnTo>
+                  <a:pt x="2055508" y="354088"/>
+                </a:lnTo>
+                <a:lnTo>
+                  <a:pt x="1440579" y="729608"/>
+                </a:lnTo>
+                <a:lnTo>
+                  <a:pt x="0" y="726724"/>
+                </a:lnTo>
+                <a:close/>
+              </a:path>
+            </a:pathLst>
+          </a:custGeom>
+          <a:solidFill>
+            <a:schemeClr val="accent1">
+              <a:lumMod val="40000"/>
+              <a:lumOff val="60000"/>
+            </a:schemeClr>
+          </a:solidFill>
+        </p:spPr>
+        <p:style>
+          <a:lnRef idx="2">
+            <a:schemeClr val="accent1">
+              <a:shade val="15000"/>
+            </a:schemeClr>
+          </a:lnRef>
+          <a:fillRef idx="1">
+            <a:schemeClr val="accent1"/>
+          </a:fillRef>
+          <a:effectRef idx="0">
+            <a:schemeClr val="accent1"/>
+          </a:effectRef>
+          <a:fontRef idx="minor">
+            <a:schemeClr val="lt1"/>
+          </a:fontRef>
+        </p:style>
+        <p:txBody>
+          <a:bodyPr rtlCol="0" anchor="ctr"/>
+          <a:lstStyle/>
+          <a:p>
+            <a:pPr algn="ctr"/>
+            <a:endParaRPr lang="zh-TW" altLang="en-US"/>
+          </a:p>
+        </p:txBody>
+      </p:sp>
+      <p:cxnSp>
+        <p:nvCxnSpPr>
+          <p:cNvPr id="24" name="直線單箭頭接點 23">
+            <a:extLst>
+              <a:ext uri="{FF2B5EF4-FFF2-40B4-BE49-F238E27FC236}">
+                <a16:creationId xmlns:a16="http://schemas.microsoft.com/office/drawing/2014/main" id="{8676D41F-4F54-F71D-85C6-E3D01E5CC0F7}"/>
+              </a:ext>
+            </a:extLst>
+          </p:cNvPr>
+          <p:cNvCxnSpPr>
+            <a:stCxn id="21" idx="3"/>
+            <a:endCxn id="22" idx="3"/>
+          </p:cNvCxnSpPr>
+          <p:nvPr/>
+        </p:nvCxnSpPr>
+        <p:spPr>
+          <a:xfrm>
+            <a:off x="3611879" y="2011681"/>
+            <a:ext cx="1893328" cy="0"/>
+          </a:xfrm>
+          <a:prstGeom prst="straightConnector1">
+            <a:avLst/>
+          </a:prstGeom>
+          <a:ln w="19050">
+            <a:solidFill>
+              <a:srgbClr val="FF0000"/>
+            </a:solidFill>
+            <a:headEnd type="triangle"/>
+            <a:tailEnd type="triangle"/>
+          </a:ln>
+        </p:spPr>
+        <p:style>
+          <a:lnRef idx="1">
+            <a:schemeClr val="accent1"/>
+          </a:lnRef>
+          <a:fillRef idx="0">
+            <a:schemeClr val="accent1"/>
+          </a:fillRef>
+          <a:effectRef idx="0">
+            <a:schemeClr val="accent1"/>
+          </a:effectRef>
+          <a:fontRef idx="minor">
+            <a:schemeClr val="tx1"/>
+          </a:fontRef>
+        </p:style>
+      </p:cxnSp>
+      <mc:AlternateContent xmlns:mc="http://schemas.openxmlformats.org/markup-compatibility/2006">
+        <mc:Choice xmlns:a14="http://schemas.microsoft.com/office/drawing/2010/main" Requires="a14">
+          <p:sp>
+            <p:nvSpPr>
+              <p:cNvPr id="25" name="文字方塊 24">
+                <a:extLst>
+                  <a:ext uri="{FF2B5EF4-FFF2-40B4-BE49-F238E27FC236}">
+                    <a16:creationId xmlns:a16="http://schemas.microsoft.com/office/drawing/2014/main" id="{F4882C2F-28C9-7A19-2524-257CB9C45EA3}"/>
+                  </a:ext>
+                </a:extLst>
+              </p:cNvPr>
+              <p:cNvSpPr txBox="1"/>
+              <p:nvPr/>
+            </p:nvSpPr>
+            <p:spPr>
+              <a:xfrm>
+                <a:off x="4288032" y="1734683"/>
+                <a:ext cx="193258" cy="276999"/>
+              </a:xfrm>
+              <a:prstGeom prst="rect">
+                <a:avLst/>
+              </a:prstGeom>
+              <a:noFill/>
+            </p:spPr>
+            <p:txBody>
+              <a:bodyPr wrap="none" lIns="0" tIns="0" rIns="0" bIns="0" rtlCol="0">
+                <a:spAutoFit/>
+              </a:bodyPr>
+              <a:lstStyle/>
+              <a:p>
+                <a14:m>
+                  <m:oMathPara xmlns:m="http://schemas.openxmlformats.org/officeDocument/2006/math">
+                    <m:oMathParaPr>
+                      <m:jc m:val="centerGroup"/>
+                    </m:oMathParaPr>
+                    <m:oMath xmlns:m="http://schemas.openxmlformats.org/officeDocument/2006/math">
+                      <m:r>
+                        <a:rPr lang="en-US" altLang="zh-TW" b="0" i="1" smtClean="0">
+                          <a:latin typeface="Cambria Math" panose="02040503050406030204" pitchFamily="18" charset="0"/>
+                        </a:rPr>
+                        <m:t>𝑑</m:t>
+                      </m:r>
+                    </m:oMath>
+                  </m:oMathPara>
+                </a14:m>
+                <a:endParaRPr lang="zh-TW" altLang="en-US"/>
+              </a:p>
+            </p:txBody>
+          </p:sp>
+        </mc:Choice>
+        <mc:Fallback>
+          <p:sp>
+            <p:nvSpPr>
+              <p:cNvPr id="25" name="文字方塊 24">
+                <a:extLst>
+                  <a:ext uri="{FF2B5EF4-FFF2-40B4-BE49-F238E27FC236}">
+                    <a16:creationId xmlns:a16="http://schemas.microsoft.com/office/drawing/2014/main" id="{F4882C2F-28C9-7A19-2524-257CB9C45EA3}"/>
+                  </a:ext>
+                </a:extLst>
+              </p:cNvPr>
+              <p:cNvSpPr txBox="1">
+                <a:spLocks noRot="1" noChangeAspect="1" noMove="1" noResize="1" noEditPoints="1" noAdjustHandles="1" noChangeArrowheads="1" noChangeShapeType="1" noTextEdit="1"/>
+              </p:cNvSpPr>
+              <p:nvPr/>
+            </p:nvSpPr>
+            <p:spPr>
+              <a:xfrm>
+                <a:off x="4288032" y="1734683"/>
+                <a:ext cx="193258" cy="276999"/>
+              </a:xfrm>
+              <a:prstGeom prst="rect">
+                <a:avLst/>
+              </a:prstGeom>
+              <a:blipFill>
+                <a:blip r:embed="rId2"/>
+                <a:stretch>
+                  <a:fillRect l="-31250" r="-25000" b="-8889"/>
+                </a:stretch>
+              </a:blipFill>
+            </p:spPr>
+            <p:txBody>
+              <a:bodyPr/>
+              <a:lstStyle/>
+              <a:p>
+                <a:r>
+                  <a:rPr lang="zh-TW" altLang="en-US">
+                    <a:noFill/>
+                  </a:rPr>
+                  <a:t> </a:t>
+                </a:r>
+              </a:p>
+            </p:txBody>
+          </p:sp>
+        </mc:Fallback>
+      </mc:AlternateContent>
+      <p:cxnSp>
+        <p:nvCxnSpPr>
+          <p:cNvPr id="26" name="直線單箭頭接點 25">
+            <a:extLst>
+              <a:ext uri="{FF2B5EF4-FFF2-40B4-BE49-F238E27FC236}">
+                <a16:creationId xmlns:a16="http://schemas.microsoft.com/office/drawing/2014/main" id="{1EF98505-AA53-5F32-F5D5-85A35F0C3869}"/>
+              </a:ext>
+            </a:extLst>
+          </p:cNvPr>
+          <p:cNvCxnSpPr>
+            <a:cxnSpLocks/>
+          </p:cNvCxnSpPr>
+          <p:nvPr/>
+        </p:nvCxnSpPr>
+        <p:spPr>
+          <a:xfrm>
+            <a:off x="4165600" y="2372361"/>
+            <a:ext cx="868680" cy="0"/>
+          </a:xfrm>
+          <a:prstGeom prst="straightConnector1">
+            <a:avLst/>
+          </a:prstGeom>
+          <a:ln w="19050">
+            <a:solidFill>
+              <a:srgbClr val="FF0000"/>
+            </a:solidFill>
+            <a:headEnd type="triangle"/>
+            <a:tailEnd type="triangle"/>
+          </a:ln>
+        </p:spPr>
+        <p:style>
+          <a:lnRef idx="1">
+            <a:schemeClr val="accent1"/>
+          </a:lnRef>
+          <a:fillRef idx="0">
+            <a:schemeClr val="accent1"/>
+          </a:fillRef>
+          <a:effectRef idx="0">
+            <a:schemeClr val="accent1"/>
+          </a:effectRef>
+          <a:fontRef idx="minor">
+            <a:schemeClr val="tx1"/>
+          </a:fontRef>
+        </p:style>
+      </p:cxnSp>
+      <mc:AlternateContent xmlns:mc="http://schemas.openxmlformats.org/markup-compatibility/2006">
+        <mc:Choice xmlns:a14="http://schemas.microsoft.com/office/drawing/2010/main" Requires="a14">
+          <p:sp>
+            <p:nvSpPr>
+              <p:cNvPr id="29" name="文字方塊 28">
+                <a:extLst>
+                  <a:ext uri="{FF2B5EF4-FFF2-40B4-BE49-F238E27FC236}">
+                    <a16:creationId xmlns:a16="http://schemas.microsoft.com/office/drawing/2014/main" id="{A4F091D3-A5C1-C845-72E8-7D66FF870270}"/>
+                  </a:ext>
+                </a:extLst>
+              </p:cNvPr>
+              <p:cNvSpPr txBox="1"/>
+              <p:nvPr/>
+            </p:nvSpPr>
+            <p:spPr>
+              <a:xfrm>
+                <a:off x="4443453" y="2148706"/>
+                <a:ext cx="166007" cy="276999"/>
+              </a:xfrm>
+              <a:prstGeom prst="rect">
+                <a:avLst/>
+              </a:prstGeom>
+              <a:noFill/>
+            </p:spPr>
+            <p:txBody>
+              <a:bodyPr wrap="none" lIns="0" tIns="0" rIns="0" bIns="0" rtlCol="0">
+                <a:spAutoFit/>
+              </a:bodyPr>
+              <a:lstStyle/>
+              <a:p>
+                <a14:m>
+                  <m:oMathPara xmlns:m="http://schemas.openxmlformats.org/officeDocument/2006/math">
+                    <m:oMathParaPr>
+                      <m:jc m:val="centerGroup"/>
+                    </m:oMathParaPr>
+                    <m:oMath xmlns:m="http://schemas.openxmlformats.org/officeDocument/2006/math">
+                      <m:r>
+                        <a:rPr lang="en-US" altLang="zh-TW" b="0" i="1" smtClean="0">
+                          <a:latin typeface="Cambria Math" panose="02040503050406030204" pitchFamily="18" charset="0"/>
+                        </a:rPr>
+                        <m:t>𝑐</m:t>
+                      </m:r>
+                    </m:oMath>
+                  </m:oMathPara>
+                </a14:m>
+                <a:endParaRPr lang="zh-TW" altLang="en-US"/>
+              </a:p>
+            </p:txBody>
+          </p:sp>
+        </mc:Choice>
+        <mc:Fallback>
+          <p:sp>
+            <p:nvSpPr>
+              <p:cNvPr id="29" name="文字方塊 28">
+                <a:extLst>
+                  <a:ext uri="{FF2B5EF4-FFF2-40B4-BE49-F238E27FC236}">
+                    <a16:creationId xmlns:a16="http://schemas.microsoft.com/office/drawing/2014/main" id="{A4F091D3-A5C1-C845-72E8-7D66FF870270}"/>
+                  </a:ext>
+                </a:extLst>
+              </p:cNvPr>
+              <p:cNvSpPr txBox="1">
+                <a:spLocks noRot="1" noChangeAspect="1" noMove="1" noResize="1" noEditPoints="1" noAdjustHandles="1" noChangeArrowheads="1" noChangeShapeType="1" noTextEdit="1"/>
+              </p:cNvSpPr>
+              <p:nvPr/>
+            </p:nvSpPr>
+            <p:spPr>
+              <a:xfrm>
+                <a:off x="4443453" y="2148706"/>
+                <a:ext cx="166007" cy="276999"/>
+              </a:xfrm>
+              <a:prstGeom prst="rect">
+                <a:avLst/>
+              </a:prstGeom>
+              <a:blipFill>
+                <a:blip r:embed="rId3"/>
+                <a:stretch>
+                  <a:fillRect l="-22222" r="-14815"/>
+                </a:stretch>
+              </a:blipFill>
+            </p:spPr>
+            <p:txBody>
+              <a:bodyPr/>
+              <a:lstStyle/>
+              <a:p>
+                <a:r>
+                  <a:rPr lang="zh-TW" altLang="en-US">
+                    <a:noFill/>
+                  </a:rPr>
+                  <a:t> </a:t>
+                </a:r>
+              </a:p>
+            </p:txBody>
+          </p:sp>
+        </mc:Fallback>
+      </mc:AlternateContent>
+      <p:cxnSp>
+        <p:nvCxnSpPr>
+          <p:cNvPr id="30" name="直線單箭頭接點 29">
+            <a:extLst>
+              <a:ext uri="{FF2B5EF4-FFF2-40B4-BE49-F238E27FC236}">
+                <a16:creationId xmlns:a16="http://schemas.microsoft.com/office/drawing/2014/main" id="{C8A4D3F5-A863-2AE8-0321-0FD3783DCE76}"/>
+              </a:ext>
+            </a:extLst>
+          </p:cNvPr>
+          <p:cNvCxnSpPr>
+            <a:cxnSpLocks/>
+          </p:cNvCxnSpPr>
+          <p:nvPr/>
+        </p:nvCxnSpPr>
+        <p:spPr>
+          <a:xfrm>
+            <a:off x="3611879" y="2011680"/>
+            <a:ext cx="0" cy="758435"/>
+          </a:xfrm>
+          <a:prstGeom prst="straightConnector1">
+            <a:avLst/>
+          </a:prstGeom>
+          <a:ln w="19050">
+            <a:solidFill>
+              <a:srgbClr val="FF0000"/>
+            </a:solidFill>
+            <a:headEnd type="triangle"/>
+            <a:tailEnd type="triangle"/>
+          </a:ln>
+        </p:spPr>
+        <p:style>
+          <a:lnRef idx="1">
+            <a:schemeClr val="accent1"/>
+          </a:lnRef>
+          <a:fillRef idx="0">
+            <a:schemeClr val="accent1"/>
+          </a:fillRef>
+          <a:effectRef idx="0">
+            <a:schemeClr val="accent1"/>
+          </a:effectRef>
+          <a:fontRef idx="minor">
+            <a:schemeClr val="tx1"/>
+          </a:fontRef>
+        </p:style>
+      </p:cxnSp>
+      <p:cxnSp>
+        <p:nvCxnSpPr>
+          <p:cNvPr id="33" name="直線單箭頭接點 32">
+            <a:extLst>
+              <a:ext uri="{FF2B5EF4-FFF2-40B4-BE49-F238E27FC236}">
+                <a16:creationId xmlns:a16="http://schemas.microsoft.com/office/drawing/2014/main" id="{CA195E89-C68A-5BC6-F096-130865763599}"/>
+              </a:ext>
+            </a:extLst>
+          </p:cNvPr>
+          <p:cNvCxnSpPr>
+            <a:cxnSpLocks/>
+          </p:cNvCxnSpPr>
+          <p:nvPr/>
+        </p:nvCxnSpPr>
+        <p:spPr>
+          <a:xfrm>
+            <a:off x="5070867" y="2372361"/>
+            <a:ext cx="1009893" cy="0"/>
+          </a:xfrm>
+          <a:prstGeom prst="straightConnector1">
+            <a:avLst/>
+          </a:prstGeom>
+          <a:ln w="19050">
+            <a:solidFill>
+              <a:srgbClr val="FF0000"/>
+            </a:solidFill>
+            <a:headEnd type="triangle"/>
+            <a:tailEnd type="triangle"/>
+          </a:ln>
+        </p:spPr>
+        <p:style>
+          <a:lnRef idx="1">
+            <a:schemeClr val="accent1"/>
+          </a:lnRef>
+          <a:fillRef idx="0">
+            <a:schemeClr val="accent1"/>
+          </a:fillRef>
+          <a:effectRef idx="0">
+            <a:schemeClr val="accent1"/>
+          </a:effectRef>
+          <a:fontRef idx="minor">
+            <a:schemeClr val="tx1"/>
+          </a:fontRef>
+        </p:style>
+      </p:cxnSp>
+      <mc:AlternateContent xmlns:mc="http://schemas.openxmlformats.org/markup-compatibility/2006">
+        <mc:Choice xmlns:a14="http://schemas.microsoft.com/office/drawing/2010/main" Requires="a14">
+          <p:sp>
+            <p:nvSpPr>
+              <p:cNvPr id="35" name="文字方塊 34">
+                <a:extLst>
+                  <a:ext uri="{FF2B5EF4-FFF2-40B4-BE49-F238E27FC236}">
+                    <a16:creationId xmlns:a16="http://schemas.microsoft.com/office/drawing/2014/main" id="{4FA53116-4C98-B1C5-BB95-7824634DEDA0}"/>
+                  </a:ext>
+                </a:extLst>
+              </p:cNvPr>
+              <p:cNvSpPr txBox="1"/>
+              <p:nvPr/>
+            </p:nvSpPr>
+            <p:spPr>
+              <a:xfrm>
+                <a:off x="5224447" y="2113899"/>
+                <a:ext cx="582082" cy="276999"/>
+              </a:xfrm>
+              <a:prstGeom prst="rect">
+                <a:avLst/>
+              </a:prstGeom>
+              <a:noFill/>
+            </p:spPr>
+            <p:txBody>
+              <a:bodyPr wrap="none" lIns="0" tIns="0" rIns="0" bIns="0" rtlCol="0">
+                <a:spAutoFit/>
+              </a:bodyPr>
+              <a:lstStyle/>
+              <a:p>
+                <a14:m>
+                  <m:oMathPara xmlns:m="http://schemas.openxmlformats.org/officeDocument/2006/math">
+                    <m:oMathParaPr>
+                      <m:jc m:val="centerGroup"/>
+                    </m:oMathParaPr>
+                    <m:oMath xmlns:m="http://schemas.openxmlformats.org/officeDocument/2006/math">
+                      <m:r>
+                        <a:rPr lang="en-US" altLang="zh-TW" b="0" i="1" smtClean="0">
+                          <a:latin typeface="Cambria Math" panose="02040503050406030204" pitchFamily="18" charset="0"/>
+                        </a:rPr>
+                        <m:t>𝑑</m:t>
+                      </m:r>
+                      <m:r>
+                        <a:rPr lang="en-US" altLang="zh-TW" b="0" i="1" smtClean="0">
+                          <a:latin typeface="Cambria Math" panose="02040503050406030204" pitchFamily="18" charset="0"/>
+                        </a:rPr>
+                        <m:t>−</m:t>
+                      </m:r>
+                      <m:r>
+                        <a:rPr lang="en-US" altLang="zh-TW" b="0" i="1" smtClean="0">
+                          <a:latin typeface="Cambria Math" panose="02040503050406030204" pitchFamily="18" charset="0"/>
+                        </a:rPr>
+                        <m:t>𝑐</m:t>
+                      </m:r>
+                    </m:oMath>
+                  </m:oMathPara>
+                </a14:m>
+                <a:endParaRPr lang="zh-TW" altLang="en-US"/>
+              </a:p>
+            </p:txBody>
+          </p:sp>
+        </mc:Choice>
+        <mc:Fallback>
+          <p:sp>
+            <p:nvSpPr>
+              <p:cNvPr id="35" name="文字方塊 34">
+                <a:extLst>
+                  <a:ext uri="{FF2B5EF4-FFF2-40B4-BE49-F238E27FC236}">
+                    <a16:creationId xmlns:a16="http://schemas.microsoft.com/office/drawing/2014/main" id="{4FA53116-4C98-B1C5-BB95-7824634DEDA0}"/>
+                  </a:ext>
+                </a:extLst>
+              </p:cNvPr>
+              <p:cNvSpPr txBox="1">
+                <a:spLocks noRot="1" noChangeAspect="1" noMove="1" noResize="1" noEditPoints="1" noAdjustHandles="1" noChangeArrowheads="1" noChangeShapeType="1" noTextEdit="1"/>
+              </p:cNvSpPr>
+              <p:nvPr/>
+            </p:nvSpPr>
+            <p:spPr>
+              <a:xfrm>
+                <a:off x="5224447" y="2113899"/>
+                <a:ext cx="582082" cy="276999"/>
+              </a:xfrm>
+              <a:prstGeom prst="rect">
+                <a:avLst/>
+              </a:prstGeom>
+              <a:blipFill>
+                <a:blip r:embed="rId4"/>
+                <a:stretch>
+                  <a:fillRect l="-9375" r="-3125" b="-8889"/>
+                </a:stretch>
+              </a:blipFill>
+            </p:spPr>
+            <p:txBody>
+              <a:bodyPr/>
+              <a:lstStyle/>
+              <a:p>
+                <a:r>
+                  <a:rPr lang="zh-TW" altLang="en-US">
+                    <a:noFill/>
+                  </a:rPr>
+                  <a:t> </a:t>
+                </a:r>
+              </a:p>
+            </p:txBody>
+          </p:sp>
+        </mc:Fallback>
+      </mc:AlternateContent>
+      <mc:AlternateContent xmlns:mc="http://schemas.openxmlformats.org/markup-compatibility/2006">
+        <mc:Choice xmlns:a14="http://schemas.microsoft.com/office/drawing/2010/main" Requires="a14">
+          <p:sp>
+            <p:nvSpPr>
+              <p:cNvPr id="36" name="文字方塊 35">
+                <a:extLst>
+                  <a:ext uri="{FF2B5EF4-FFF2-40B4-BE49-F238E27FC236}">
+                    <a16:creationId xmlns:a16="http://schemas.microsoft.com/office/drawing/2014/main" id="{8BA6B2CD-FF55-8686-D418-6A35D56C85B6}"/>
+                  </a:ext>
+                </a:extLst>
+              </p:cNvPr>
+              <p:cNvSpPr txBox="1"/>
+              <p:nvPr/>
+            </p:nvSpPr>
+            <p:spPr>
+              <a:xfrm>
+                <a:off x="3435733" y="2252398"/>
+                <a:ext cx="185114" cy="276999"/>
+              </a:xfrm>
+              <a:prstGeom prst="rect">
+                <a:avLst/>
+              </a:prstGeom>
+              <a:noFill/>
+            </p:spPr>
+            <p:txBody>
+              <a:bodyPr wrap="none" lIns="0" tIns="0" rIns="0" bIns="0" rtlCol="0">
+                <a:spAutoFit/>
+              </a:bodyPr>
+              <a:lstStyle/>
+              <a:p>
+                <a14:m>
+                  <m:oMathPara xmlns:m="http://schemas.openxmlformats.org/officeDocument/2006/math">
+                    <m:oMathParaPr>
+                      <m:jc m:val="centerGroup"/>
+                    </m:oMathParaPr>
+                    <m:oMath xmlns:m="http://schemas.openxmlformats.org/officeDocument/2006/math">
+                      <m:r>
+                        <a:rPr lang="en-US" altLang="zh-TW" b="0" i="1" smtClean="0">
+                          <a:latin typeface="Cambria Math" panose="02040503050406030204" pitchFamily="18" charset="0"/>
+                        </a:rPr>
+                        <m:t>h</m:t>
+                      </m:r>
+                    </m:oMath>
+                  </m:oMathPara>
+                </a14:m>
+                <a:endParaRPr lang="zh-TW" altLang="en-US"/>
+              </a:p>
+            </p:txBody>
+          </p:sp>
+        </mc:Choice>
+        <mc:Fallback>
+          <p:sp>
+            <p:nvSpPr>
+              <p:cNvPr id="36" name="文字方塊 35">
+                <a:extLst>
+                  <a:ext uri="{FF2B5EF4-FFF2-40B4-BE49-F238E27FC236}">
+                    <a16:creationId xmlns:a16="http://schemas.microsoft.com/office/drawing/2014/main" id="{8BA6B2CD-FF55-8686-D418-6A35D56C85B6}"/>
+                  </a:ext>
+                </a:extLst>
+              </p:cNvPr>
+              <p:cNvSpPr txBox="1">
+                <a:spLocks noRot="1" noChangeAspect="1" noMove="1" noResize="1" noEditPoints="1" noAdjustHandles="1" noChangeArrowheads="1" noChangeShapeType="1" noTextEdit="1"/>
+              </p:cNvSpPr>
+              <p:nvPr/>
+            </p:nvSpPr>
+            <p:spPr>
+              <a:xfrm>
+                <a:off x="3435733" y="2252398"/>
+                <a:ext cx="185114" cy="276999"/>
+              </a:xfrm>
+              <a:prstGeom prst="rect">
+                <a:avLst/>
+              </a:prstGeom>
+              <a:blipFill>
+                <a:blip r:embed="rId5"/>
+                <a:stretch>
+                  <a:fillRect l="-33333" r="-30000" b="-6522"/>
+                </a:stretch>
+              </a:blipFill>
+            </p:spPr>
+            <p:txBody>
+              <a:bodyPr/>
+              <a:lstStyle/>
+              <a:p>
+                <a:r>
+                  <a:rPr lang="zh-TW" altLang="en-US">
+                    <a:noFill/>
+                  </a:rPr>
+                  <a:t> </a:t>
+                </a:r>
+              </a:p>
+            </p:txBody>
+          </p:sp>
+        </mc:Fallback>
+      </mc:AlternateContent>
+      <mc:AlternateContent xmlns:mc="http://schemas.openxmlformats.org/markup-compatibility/2006">
+        <mc:Choice xmlns:a14="http://schemas.microsoft.com/office/drawing/2010/main" Requires="a14">
+          <p:sp>
+            <p:nvSpPr>
+              <p:cNvPr id="37" name="文字方塊 36">
+                <a:extLst>
+                  <a:ext uri="{FF2B5EF4-FFF2-40B4-BE49-F238E27FC236}">
+                    <a16:creationId xmlns:a16="http://schemas.microsoft.com/office/drawing/2014/main" id="{9CD0B83C-DACA-182F-C275-77D3F11FE334}"/>
+                  </a:ext>
+                </a:extLst>
+              </p:cNvPr>
+              <p:cNvSpPr txBox="1"/>
+              <p:nvPr/>
+            </p:nvSpPr>
+            <p:spPr>
+              <a:xfrm>
+                <a:off x="2056384" y="1896165"/>
+                <a:ext cx="185114" cy="276999"/>
+              </a:xfrm>
+              <a:prstGeom prst="rect">
+                <a:avLst/>
+              </a:prstGeom>
+              <a:noFill/>
+            </p:spPr>
+            <p:txBody>
+              <a:bodyPr wrap="none" lIns="0" tIns="0" rIns="0" bIns="0" rtlCol="0">
+                <a:spAutoFit/>
+              </a:bodyPr>
+              <a:lstStyle/>
+              <a:p>
+                <a14:m>
+                  <m:oMathPara xmlns:m="http://schemas.openxmlformats.org/officeDocument/2006/math">
+                    <m:oMathParaPr>
+                      <m:jc m:val="centerGroup"/>
+                    </m:oMathParaPr>
+                    <m:oMath xmlns:m="http://schemas.openxmlformats.org/officeDocument/2006/math">
+                      <m:r>
+                        <a:rPr lang="en-US" altLang="zh-TW" b="0" i="1" smtClean="0">
+                          <a:latin typeface="Cambria Math" panose="02040503050406030204" pitchFamily="18" charset="0"/>
+                        </a:rPr>
+                        <m:t>𝐿</m:t>
+                      </m:r>
+                    </m:oMath>
+                  </m:oMathPara>
+                </a14:m>
+                <a:endParaRPr lang="zh-TW" altLang="en-US"/>
+              </a:p>
+            </p:txBody>
+          </p:sp>
+        </mc:Choice>
+        <mc:Fallback>
+          <p:sp>
+            <p:nvSpPr>
+              <p:cNvPr id="37" name="文字方塊 36">
+                <a:extLst>
+                  <a:ext uri="{FF2B5EF4-FFF2-40B4-BE49-F238E27FC236}">
+                    <a16:creationId xmlns:a16="http://schemas.microsoft.com/office/drawing/2014/main" id="{9CD0B83C-DACA-182F-C275-77D3F11FE334}"/>
+                  </a:ext>
+                </a:extLst>
+              </p:cNvPr>
+              <p:cNvSpPr txBox="1">
+                <a:spLocks noRot="1" noChangeAspect="1" noMove="1" noResize="1" noEditPoints="1" noAdjustHandles="1" noChangeArrowheads="1" noChangeShapeType="1" noTextEdit="1"/>
+              </p:cNvSpPr>
+              <p:nvPr/>
+            </p:nvSpPr>
+            <p:spPr>
+              <a:xfrm>
+                <a:off x="2056384" y="1896165"/>
+                <a:ext cx="185114" cy="276999"/>
+              </a:xfrm>
+              <a:prstGeom prst="rect">
+                <a:avLst/>
+              </a:prstGeom>
+              <a:blipFill>
+                <a:blip r:embed="rId6"/>
+                <a:stretch>
+                  <a:fillRect l="-25806" r="-25806" b="-8889"/>
+                </a:stretch>
+              </a:blipFill>
+            </p:spPr>
+            <p:txBody>
+              <a:bodyPr/>
+              <a:lstStyle/>
+              <a:p>
+                <a:r>
+                  <a:rPr lang="zh-TW" altLang="en-US">
+                    <a:noFill/>
+                  </a:rPr>
+                  <a:t> </a:t>
+                </a:r>
+              </a:p>
+            </p:txBody>
+          </p:sp>
+        </mc:Fallback>
+      </mc:AlternateContent>
+      <mc:AlternateContent xmlns:mc="http://schemas.openxmlformats.org/markup-compatibility/2006">
+        <mc:Choice xmlns:a14="http://schemas.microsoft.com/office/drawing/2010/main" Requires="a14">
+          <p:sp>
+            <p:nvSpPr>
+              <p:cNvPr id="38" name="文字方塊 37">
+                <a:extLst>
+                  <a:ext uri="{FF2B5EF4-FFF2-40B4-BE49-F238E27FC236}">
+                    <a16:creationId xmlns:a16="http://schemas.microsoft.com/office/drawing/2014/main" id="{BF2C027D-9685-4877-F773-AA3837E792BA}"/>
+                  </a:ext>
+                </a:extLst>
+              </p:cNvPr>
+              <p:cNvSpPr txBox="1"/>
+              <p:nvPr/>
+            </p:nvSpPr>
+            <p:spPr>
+              <a:xfrm>
+                <a:off x="2343375" y="1333244"/>
+                <a:ext cx="312008" cy="276999"/>
+              </a:xfrm>
+              <a:prstGeom prst="rect">
+                <a:avLst/>
+              </a:prstGeom>
+              <a:noFill/>
+            </p:spPr>
+            <p:txBody>
+              <a:bodyPr wrap="none" lIns="0" tIns="0" rIns="0" bIns="0" rtlCol="0">
+                <a:spAutoFit/>
+              </a:bodyPr>
+              <a:lstStyle/>
+              <a:p>
+                <a14:m>
+                  <m:oMathPara xmlns:m="http://schemas.openxmlformats.org/officeDocument/2006/math">
+                    <m:oMathParaPr>
+                      <m:jc m:val="centerGroup"/>
+                    </m:oMathParaPr>
+                    <m:oMath xmlns:m="http://schemas.openxmlformats.org/officeDocument/2006/math">
+                      <m:sSub>
+                        <m:sSubPr>
+                          <m:ctrlPr>
+                            <a:rPr lang="en-US" altLang="zh-TW" b="0" i="1" smtClean="0">
+                              <a:latin typeface="Cambria Math" panose="02040503050406030204" pitchFamily="18" charset="0"/>
+                            </a:rPr>
+                          </m:ctrlPr>
+                        </m:sSubPr>
+                        <m:e>
+                          <m:r>
+                            <a:rPr lang="zh-TW" altLang="en-US" i="1" smtClean="0">
+                              <a:latin typeface="Cambria Math" panose="02040503050406030204" pitchFamily="18" charset="0"/>
+                            </a:rPr>
+                            <m:t>𝜑</m:t>
+                          </m:r>
+                        </m:e>
+                        <m:sub>
+                          <m:r>
+                            <a:rPr lang="en-US" altLang="zh-TW" b="0" i="1" smtClean="0">
+                              <a:latin typeface="Cambria Math" panose="02040503050406030204" pitchFamily="18" charset="0"/>
+                            </a:rPr>
+                            <m:t>1</m:t>
+                          </m:r>
+                        </m:sub>
+                      </m:sSub>
+                    </m:oMath>
+                  </m:oMathPara>
+                </a14:m>
+                <a:endParaRPr lang="zh-TW" altLang="en-US"/>
+              </a:p>
+            </p:txBody>
+          </p:sp>
+        </mc:Choice>
+        <mc:Fallback>
+          <p:sp>
+            <p:nvSpPr>
+              <p:cNvPr id="38" name="文字方塊 37">
+                <a:extLst>
+                  <a:ext uri="{FF2B5EF4-FFF2-40B4-BE49-F238E27FC236}">
+                    <a16:creationId xmlns:a16="http://schemas.microsoft.com/office/drawing/2014/main" id="{BF2C027D-9685-4877-F773-AA3837E792BA}"/>
+                  </a:ext>
+                </a:extLst>
+              </p:cNvPr>
+              <p:cNvSpPr txBox="1">
+                <a:spLocks noRot="1" noChangeAspect="1" noMove="1" noResize="1" noEditPoints="1" noAdjustHandles="1" noChangeArrowheads="1" noChangeShapeType="1" noTextEdit="1"/>
+              </p:cNvSpPr>
+              <p:nvPr/>
+            </p:nvSpPr>
+            <p:spPr>
+              <a:xfrm>
+                <a:off x="2343375" y="1333244"/>
+                <a:ext cx="312008" cy="276999"/>
+              </a:xfrm>
+              <a:prstGeom prst="rect">
+                <a:avLst/>
+              </a:prstGeom>
+              <a:blipFill>
+                <a:blip r:embed="rId7"/>
+                <a:stretch>
+                  <a:fillRect l="-19231" r="-5769" b="-26667"/>
+                </a:stretch>
+              </a:blipFill>
+            </p:spPr>
+            <p:txBody>
+              <a:bodyPr/>
+              <a:lstStyle/>
+              <a:p>
+                <a:r>
+                  <a:rPr lang="zh-TW" altLang="en-US">
+                    <a:noFill/>
+                  </a:rPr>
+                  <a:t> </a:t>
+                </a:r>
+              </a:p>
+            </p:txBody>
+          </p:sp>
+        </mc:Fallback>
+      </mc:AlternateContent>
+      <mc:AlternateContent xmlns:mc="http://schemas.openxmlformats.org/markup-compatibility/2006">
+        <mc:Choice xmlns:a14="http://schemas.microsoft.com/office/drawing/2010/main" Requires="a14">
+          <p:sp>
+            <p:nvSpPr>
+              <p:cNvPr id="39" name="文字方塊 38">
+                <a:extLst>
+                  <a:ext uri="{FF2B5EF4-FFF2-40B4-BE49-F238E27FC236}">
+                    <a16:creationId xmlns:a16="http://schemas.microsoft.com/office/drawing/2014/main" id="{A1EDC96A-4261-E1A1-86B8-C96C6D5D85C2}"/>
+                  </a:ext>
+                </a:extLst>
+              </p:cNvPr>
+              <p:cNvSpPr txBox="1"/>
+              <p:nvPr/>
+            </p:nvSpPr>
+            <p:spPr>
+              <a:xfrm>
+                <a:off x="2416356" y="1807803"/>
+                <a:ext cx="317331" cy="276999"/>
+              </a:xfrm>
+              <a:prstGeom prst="rect">
+                <a:avLst/>
+              </a:prstGeom>
+              <a:noFill/>
+            </p:spPr>
+            <p:txBody>
+              <a:bodyPr wrap="none" lIns="0" tIns="0" rIns="0" bIns="0" rtlCol="0">
+                <a:spAutoFit/>
+              </a:bodyPr>
+              <a:lstStyle/>
+              <a:p>
+                <a14:m>
+                  <m:oMathPara xmlns:m="http://schemas.openxmlformats.org/officeDocument/2006/math">
+                    <m:oMathParaPr>
+                      <m:jc m:val="centerGroup"/>
+                    </m:oMathParaPr>
+                    <m:oMath xmlns:m="http://schemas.openxmlformats.org/officeDocument/2006/math">
+                      <m:sSub>
+                        <m:sSubPr>
+                          <m:ctrlPr>
+                            <a:rPr lang="en-US" altLang="zh-TW" b="0" i="1" smtClean="0">
+                              <a:latin typeface="Cambria Math" panose="02040503050406030204" pitchFamily="18" charset="0"/>
+                            </a:rPr>
+                          </m:ctrlPr>
+                        </m:sSubPr>
+                        <m:e>
+                          <m:r>
+                            <a:rPr lang="zh-TW" altLang="en-US" i="1" smtClean="0">
+                              <a:latin typeface="Cambria Math" panose="02040503050406030204" pitchFamily="18" charset="0"/>
+                            </a:rPr>
+                            <m:t>𝜑</m:t>
+                          </m:r>
+                        </m:e>
+                        <m:sub>
+                          <m:r>
+                            <a:rPr lang="en-US" altLang="zh-TW" b="0" i="1" smtClean="0">
+                              <a:latin typeface="Cambria Math" panose="02040503050406030204" pitchFamily="18" charset="0"/>
+                            </a:rPr>
+                            <m:t>2</m:t>
+                          </m:r>
+                        </m:sub>
+                      </m:sSub>
+                    </m:oMath>
+                  </m:oMathPara>
+                </a14:m>
+                <a:endParaRPr lang="zh-TW" altLang="en-US"/>
+              </a:p>
+            </p:txBody>
+          </p:sp>
+        </mc:Choice>
+        <mc:Fallback>
+          <p:sp>
+            <p:nvSpPr>
+              <p:cNvPr id="39" name="文字方塊 38">
+                <a:extLst>
+                  <a:ext uri="{FF2B5EF4-FFF2-40B4-BE49-F238E27FC236}">
+                    <a16:creationId xmlns:a16="http://schemas.microsoft.com/office/drawing/2014/main" id="{A1EDC96A-4261-E1A1-86B8-C96C6D5D85C2}"/>
+                  </a:ext>
+                </a:extLst>
+              </p:cNvPr>
+              <p:cNvSpPr txBox="1">
+                <a:spLocks noRot="1" noChangeAspect="1" noMove="1" noResize="1" noEditPoints="1" noAdjustHandles="1" noChangeArrowheads="1" noChangeShapeType="1" noTextEdit="1"/>
+              </p:cNvSpPr>
+              <p:nvPr/>
+            </p:nvSpPr>
+            <p:spPr>
+              <a:xfrm>
+                <a:off x="2416356" y="1807803"/>
+                <a:ext cx="317331" cy="276999"/>
+              </a:xfrm>
+              <a:prstGeom prst="rect">
+                <a:avLst/>
+              </a:prstGeom>
+              <a:blipFill>
+                <a:blip r:embed="rId8"/>
+                <a:stretch>
+                  <a:fillRect l="-19231" r="-7692" b="-26667"/>
+                </a:stretch>
+              </a:blipFill>
+            </p:spPr>
+            <p:txBody>
+              <a:bodyPr/>
+              <a:lstStyle/>
+              <a:p>
+                <a:r>
+                  <a:rPr lang="zh-TW" altLang="en-US">
+                    <a:noFill/>
+                  </a:rPr>
+                  <a:t> </a:t>
+                </a:r>
+              </a:p>
+            </p:txBody>
+          </p:sp>
+        </mc:Fallback>
+      </mc:AlternateContent>
+      <p:cxnSp>
+        <p:nvCxnSpPr>
+          <p:cNvPr id="40" name="直線單箭頭接點 39">
+            <a:extLst>
+              <a:ext uri="{FF2B5EF4-FFF2-40B4-BE49-F238E27FC236}">
+                <a16:creationId xmlns:a16="http://schemas.microsoft.com/office/drawing/2014/main" id="{9E68A800-9E17-C265-D375-C07F9CC1BA0B}"/>
+              </a:ext>
+            </a:extLst>
+          </p:cNvPr>
+          <p:cNvCxnSpPr>
+            <a:cxnSpLocks/>
+          </p:cNvCxnSpPr>
+          <p:nvPr/>
+        </p:nvCxnSpPr>
+        <p:spPr>
+          <a:xfrm>
+            <a:off x="4185919" y="2377440"/>
+            <a:ext cx="0" cy="406400"/>
+          </a:xfrm>
+          <a:prstGeom prst="straightConnector1">
+            <a:avLst/>
+          </a:prstGeom>
+          <a:ln w="19050">
+            <a:solidFill>
+              <a:srgbClr val="FF0000"/>
+            </a:solidFill>
+            <a:headEnd type="triangle"/>
+            <a:tailEnd type="triangle"/>
+          </a:ln>
+        </p:spPr>
+        <p:style>
+          <a:lnRef idx="1">
+            <a:schemeClr val="accent1"/>
+          </a:lnRef>
+          <a:fillRef idx="0">
+            <a:schemeClr val="accent1"/>
+          </a:fillRef>
+          <a:effectRef idx="0">
+            <a:schemeClr val="accent1"/>
+          </a:effectRef>
+          <a:fontRef idx="minor">
+            <a:schemeClr val="tx1"/>
+          </a:fontRef>
+        </p:style>
+      </p:cxnSp>
+      <mc:AlternateContent xmlns:mc="http://schemas.openxmlformats.org/markup-compatibility/2006">
+        <mc:Choice xmlns:a14="http://schemas.microsoft.com/office/drawing/2010/main" Requires="a14">
+          <p:sp>
+            <p:nvSpPr>
+              <p:cNvPr id="42" name="文字方塊 41">
+                <a:extLst>
+                  <a:ext uri="{FF2B5EF4-FFF2-40B4-BE49-F238E27FC236}">
+                    <a16:creationId xmlns:a16="http://schemas.microsoft.com/office/drawing/2014/main" id="{EFE1B4E0-B208-D70F-29E3-3EF3A7CF9CBB}"/>
+                  </a:ext>
+                </a:extLst>
+              </p:cNvPr>
+              <p:cNvSpPr txBox="1"/>
+              <p:nvPr/>
+            </p:nvSpPr>
+            <p:spPr>
+              <a:xfrm>
+                <a:off x="4224102" y="2427777"/>
+                <a:ext cx="108107" cy="305725"/>
+              </a:xfrm>
+              <a:prstGeom prst="rect">
+                <a:avLst/>
+              </a:prstGeom>
+              <a:noFill/>
+            </p:spPr>
+            <p:txBody>
+              <a:bodyPr wrap="none" lIns="0" tIns="0" rIns="0" bIns="0" rtlCol="0">
+                <a:spAutoFit/>
+              </a:bodyPr>
+              <a:lstStyle/>
+              <a:p>
+                <a14:m>
+                  <m:oMathPara xmlns:m="http://schemas.openxmlformats.org/officeDocument/2006/math">
+                    <m:oMathParaPr>
+                      <m:jc m:val="centerGroup"/>
+                    </m:oMathParaPr>
+                    <m:oMath xmlns:m="http://schemas.openxmlformats.org/officeDocument/2006/math">
+                      <m:f>
+                        <m:fPr>
+                          <m:ctrlPr>
+                            <a:rPr lang="en-US" altLang="zh-TW" sz="1050" b="0" i="1" smtClean="0">
+                              <a:latin typeface="Cambria Math" panose="02040503050406030204" pitchFamily="18" charset="0"/>
+                            </a:rPr>
+                          </m:ctrlPr>
+                        </m:fPr>
+                        <m:num>
+                          <m:r>
+                            <a:rPr lang="en-US" altLang="zh-TW" sz="1050" b="0" i="1" smtClean="0">
+                              <a:latin typeface="Cambria Math" panose="02040503050406030204" pitchFamily="18" charset="0"/>
+                            </a:rPr>
+                            <m:t>h</m:t>
+                          </m:r>
+                        </m:num>
+                        <m:den>
+                          <m:r>
+                            <a:rPr lang="en-US" altLang="zh-TW" sz="1050" b="0" i="1" smtClean="0">
+                              <a:latin typeface="Cambria Math" panose="02040503050406030204" pitchFamily="18" charset="0"/>
+                            </a:rPr>
+                            <m:t>2</m:t>
+                          </m:r>
+                        </m:den>
+                      </m:f>
+                    </m:oMath>
+                  </m:oMathPara>
+                </a14:m>
+                <a:endParaRPr lang="zh-TW" altLang="en-US" sz="1050"/>
+              </a:p>
+            </p:txBody>
+          </p:sp>
+        </mc:Choice>
+        <mc:Fallback>
+          <p:sp>
+            <p:nvSpPr>
+              <p:cNvPr id="42" name="文字方塊 41">
+                <a:extLst>
+                  <a:ext uri="{FF2B5EF4-FFF2-40B4-BE49-F238E27FC236}">
+                    <a16:creationId xmlns:a16="http://schemas.microsoft.com/office/drawing/2014/main" id="{EFE1B4E0-B208-D70F-29E3-3EF3A7CF9CBB}"/>
+                  </a:ext>
+                </a:extLst>
+              </p:cNvPr>
+              <p:cNvSpPr txBox="1">
+                <a:spLocks noRot="1" noChangeAspect="1" noMove="1" noResize="1" noEditPoints="1" noAdjustHandles="1" noChangeArrowheads="1" noChangeShapeType="1" noTextEdit="1"/>
+              </p:cNvSpPr>
+              <p:nvPr/>
+            </p:nvSpPr>
+            <p:spPr>
+              <a:xfrm>
+                <a:off x="4224102" y="2427777"/>
+                <a:ext cx="108107" cy="305725"/>
+              </a:xfrm>
+              <a:prstGeom prst="rect">
+                <a:avLst/>
+              </a:prstGeom>
+              <a:blipFill>
+                <a:blip r:embed="rId9"/>
+                <a:stretch>
+                  <a:fillRect l="-33333" t="-4000" r="-27778" b="-16000"/>
+                </a:stretch>
+              </a:blipFill>
+            </p:spPr>
+            <p:txBody>
+              <a:bodyPr/>
+              <a:lstStyle/>
+              <a:p>
+                <a:r>
+                  <a:rPr lang="zh-TW" altLang="en-US">
+                    <a:noFill/>
+                  </a:rPr>
+                  <a:t> </a:t>
+                </a:r>
+              </a:p>
+            </p:txBody>
+          </p:sp>
+        </mc:Fallback>
+      </mc:AlternateContent>
+      <p:sp>
+        <p:nvSpPr>
+          <p:cNvPr id="43" name="弧形 42">
+            <a:extLst>
+              <a:ext uri="{FF2B5EF4-FFF2-40B4-BE49-F238E27FC236}">
+                <a16:creationId xmlns:a16="http://schemas.microsoft.com/office/drawing/2014/main" id="{45D5EA27-0441-B1A2-3236-7B1E700CE26F}"/>
+              </a:ext>
+            </a:extLst>
+          </p:cNvPr>
+          <p:cNvSpPr/>
+          <p:nvPr/>
+        </p:nvSpPr>
+        <p:spPr>
+          <a:xfrm>
+            <a:off x="1542246" y="455661"/>
+            <a:ext cx="1460034" cy="1460034"/>
+          </a:xfrm>
+          <a:prstGeom prst="arc">
+            <a:avLst>
+              <a:gd name="adj1" fmla="val 3222916"/>
+              <a:gd name="adj2" fmla="val 5372177"/>
+            </a:avLst>
+          </a:prstGeom>
+          <a:ln>
+            <a:headEnd type="triangle" w="med" len="med"/>
+            <a:tailEnd type="triangle" w="med" len="med"/>
+          </a:ln>
+        </p:spPr>
+        <p:style>
+          <a:lnRef idx="1">
+            <a:schemeClr val="accent1"/>
+          </a:lnRef>
+          <a:fillRef idx="0">
+            <a:schemeClr val="accent1"/>
+          </a:fillRef>
+          <a:effectRef idx="0">
+            <a:schemeClr val="accent1"/>
+          </a:effectRef>
+          <a:fontRef idx="minor">
+            <a:schemeClr val="tx1"/>
+          </a:fontRef>
+        </p:style>
+        <p:txBody>
+          <a:bodyPr rtlCol="0" anchor="ctr"/>
+          <a:lstStyle/>
+          <a:p>
+            <a:pPr algn="ctr"/>
+            <a:endParaRPr lang="zh-TW" altLang="en-US"/>
+          </a:p>
+        </p:txBody>
+      </p:sp>
+      <p:sp>
+        <p:nvSpPr>
+          <p:cNvPr id="44" name="弧形 43">
+            <a:extLst>
+              <a:ext uri="{FF2B5EF4-FFF2-40B4-BE49-F238E27FC236}">
+                <a16:creationId xmlns:a16="http://schemas.microsoft.com/office/drawing/2014/main" id="{62B12F34-5652-96FD-F4A6-0726162FE343}"/>
+              </a:ext>
+            </a:extLst>
+          </p:cNvPr>
+          <p:cNvSpPr/>
+          <p:nvPr/>
+        </p:nvSpPr>
+        <p:spPr>
+          <a:xfrm>
+            <a:off x="1745446" y="658861"/>
+            <a:ext cx="1053634" cy="1053634"/>
+          </a:xfrm>
+          <a:prstGeom prst="arc">
+            <a:avLst>
+              <a:gd name="adj1" fmla="val 1936348"/>
+              <a:gd name="adj2" fmla="val 5372177"/>
+            </a:avLst>
+          </a:prstGeom>
+          <a:ln>
+            <a:headEnd type="triangle" w="med" len="med"/>
+            <a:tailEnd type="triangle" w="med" len="med"/>
+          </a:ln>
+        </p:spPr>
+        <p:style>
+          <a:lnRef idx="1">
+            <a:schemeClr val="accent1"/>
+          </a:lnRef>
+          <a:fillRef idx="0">
+            <a:schemeClr val="accent1"/>
+          </a:fillRef>
+          <a:effectRef idx="0">
+            <a:schemeClr val="accent1"/>
+          </a:effectRef>
+          <a:fontRef idx="minor">
+            <a:schemeClr val="tx1"/>
+          </a:fontRef>
+        </p:style>
+        <p:txBody>
+          <a:bodyPr rtlCol="0" anchor="ctr"/>
+          <a:lstStyle/>
+          <a:p>
+            <a:pPr algn="ctr"/>
+            <a:endParaRPr lang="zh-TW" altLang="en-US"/>
+          </a:p>
+        </p:txBody>
+      </p:sp>
+      <mc:AlternateContent xmlns:mc="http://schemas.openxmlformats.org/markup-compatibility/2006">
+        <mc:Choice xmlns:a14="http://schemas.microsoft.com/office/drawing/2010/main" Requires="a14">
+          <p:sp>
+            <p:nvSpPr>
+              <p:cNvPr id="45" name="文字方塊 44">
+                <a:extLst>
+                  <a:ext uri="{FF2B5EF4-FFF2-40B4-BE49-F238E27FC236}">
+                    <a16:creationId xmlns:a16="http://schemas.microsoft.com/office/drawing/2014/main" id="{43785786-8C81-3F6E-1900-63FEDE13BC69}"/>
+                  </a:ext>
+                </a:extLst>
+              </p:cNvPr>
+              <p:cNvSpPr txBox="1"/>
+              <p:nvPr/>
+            </p:nvSpPr>
+            <p:spPr>
+              <a:xfrm>
+                <a:off x="1859204" y="3084420"/>
+                <a:ext cx="3428631" cy="622350"/>
+              </a:xfrm>
+              <a:prstGeom prst="rect">
+                <a:avLst/>
+              </a:prstGeom>
+              <a:noFill/>
+            </p:spPr>
+            <p:txBody>
+              <a:bodyPr wrap="none" lIns="0" tIns="0" rIns="0" bIns="0" rtlCol="0">
+                <a:spAutoFit/>
+              </a:bodyPr>
+              <a:lstStyle/>
+              <a:p>
+                <a14:m>
+                  <m:oMathPara xmlns:m="http://schemas.openxmlformats.org/officeDocument/2006/math">
+                    <m:oMathParaPr>
+                      <m:jc m:val="centerGroup"/>
+                    </m:oMathParaPr>
+                    <m:oMath xmlns:m="http://schemas.openxmlformats.org/officeDocument/2006/math">
+                      <m:d>
+                        <m:dPr>
+                          <m:ctrlPr>
+                            <a:rPr lang="en-US" altLang="zh-TW" b="0" i="1" smtClean="0">
+                              <a:latin typeface="Cambria Math" panose="02040503050406030204" pitchFamily="18" charset="0"/>
+                            </a:rPr>
+                          </m:ctrlPr>
+                        </m:dPr>
+                        <m:e>
+                          <m:r>
+                            <a:rPr lang="en-US" altLang="zh-TW" b="0" i="1" smtClean="0">
+                              <a:latin typeface="Cambria Math" panose="02040503050406030204" pitchFamily="18" charset="0"/>
+                            </a:rPr>
+                            <m:t>𝐿</m:t>
+                          </m:r>
+                          <m:r>
+                            <a:rPr lang="en-US" altLang="zh-TW" b="0" i="1" smtClean="0">
+                              <a:latin typeface="Cambria Math" panose="02040503050406030204" pitchFamily="18" charset="0"/>
+                            </a:rPr>
+                            <m:t>−</m:t>
+                          </m:r>
+                          <m:f>
+                            <m:fPr>
+                              <m:ctrlPr>
+                                <a:rPr lang="en-US" altLang="zh-TW" b="0" i="1" smtClean="0">
+                                  <a:latin typeface="Cambria Math" panose="02040503050406030204" pitchFamily="18" charset="0"/>
+                                </a:rPr>
+                              </m:ctrlPr>
+                            </m:fPr>
+                            <m:num>
+                              <m:r>
+                                <a:rPr lang="en-US" altLang="zh-TW" b="0" i="1" smtClean="0">
+                                  <a:latin typeface="Cambria Math" panose="02040503050406030204" pitchFamily="18" charset="0"/>
+                                </a:rPr>
+                                <m:t>h</m:t>
+                              </m:r>
+                            </m:num>
+                            <m:den>
+                              <m:r>
+                                <a:rPr lang="en-US" altLang="zh-TW" b="0" i="1" smtClean="0">
+                                  <a:latin typeface="Cambria Math" panose="02040503050406030204" pitchFamily="18" charset="0"/>
+                                </a:rPr>
+                                <m:t>2</m:t>
+                              </m:r>
+                            </m:den>
+                          </m:f>
+                        </m:e>
+                      </m:d>
+                      <m:d>
+                        <m:dPr>
+                          <m:ctrlPr>
+                            <a:rPr lang="en-US" altLang="zh-TW" b="0" i="1" smtClean="0">
+                              <a:latin typeface="Cambria Math" panose="02040503050406030204" pitchFamily="18" charset="0"/>
+                            </a:rPr>
+                          </m:ctrlPr>
+                        </m:dPr>
+                        <m:e>
+                          <m:func>
+                            <m:funcPr>
+                              <m:ctrlPr>
+                                <a:rPr lang="en-US" altLang="zh-TW" b="0" i="1" smtClean="0">
+                                  <a:latin typeface="Cambria Math" panose="02040503050406030204" pitchFamily="18" charset="0"/>
+                                </a:rPr>
+                              </m:ctrlPr>
+                            </m:funcPr>
+                            <m:fName>
+                              <m:r>
+                                <m:rPr>
+                                  <m:sty m:val="p"/>
+                                </m:rPr>
+                                <a:rPr lang="en-US" altLang="zh-TW" b="0" i="0" smtClean="0">
+                                  <a:latin typeface="Cambria Math" panose="02040503050406030204" pitchFamily="18" charset="0"/>
+                                </a:rPr>
+                                <m:t>tan</m:t>
+                              </m:r>
+                            </m:fName>
+                            <m:e>
+                              <m:sSub>
+                                <m:sSubPr>
+                                  <m:ctrlPr>
+                                    <a:rPr lang="en-US" altLang="zh-TW" i="1">
+                                      <a:latin typeface="Cambria Math" panose="02040503050406030204" pitchFamily="18" charset="0"/>
+                                    </a:rPr>
+                                  </m:ctrlPr>
+                                </m:sSubPr>
+                                <m:e>
+                                  <m:r>
+                                    <a:rPr lang="zh-TW" altLang="en-US" i="1">
+                                      <a:latin typeface="Cambria Math" panose="02040503050406030204" pitchFamily="18" charset="0"/>
+                                    </a:rPr>
+                                    <m:t>𝜑</m:t>
+                                  </m:r>
+                                </m:e>
+                                <m:sub>
+                                  <m:r>
+                                    <a:rPr lang="en-US" altLang="zh-TW" i="1">
+                                      <a:latin typeface="Cambria Math" panose="02040503050406030204" pitchFamily="18" charset="0"/>
+                                    </a:rPr>
+                                    <m:t>1</m:t>
+                                  </m:r>
+                                </m:sub>
+                              </m:sSub>
+                            </m:e>
+                          </m:func>
+                          <m:r>
+                            <a:rPr lang="en-US" altLang="zh-TW" b="0" i="1" smtClean="0">
+                              <a:latin typeface="Cambria Math" panose="02040503050406030204" pitchFamily="18" charset="0"/>
+                            </a:rPr>
+                            <m:t>−</m:t>
+                          </m:r>
+                          <m:func>
+                            <m:funcPr>
+                              <m:ctrlPr>
+                                <a:rPr lang="en-US" altLang="zh-TW" b="0" i="1" smtClean="0">
+                                  <a:latin typeface="Cambria Math" panose="02040503050406030204" pitchFamily="18" charset="0"/>
+                                </a:rPr>
+                              </m:ctrlPr>
+                            </m:funcPr>
+                            <m:fName>
+                              <m:r>
+                                <m:rPr>
+                                  <m:sty m:val="p"/>
+                                </m:rPr>
+                                <a:rPr lang="en-US" altLang="zh-TW" b="0" i="0" smtClean="0">
+                                  <a:latin typeface="Cambria Math" panose="02040503050406030204" pitchFamily="18" charset="0"/>
+                                </a:rPr>
+                                <m:t>tan</m:t>
+                              </m:r>
+                            </m:fName>
+                            <m:e>
+                              <m:sSub>
+                                <m:sSubPr>
+                                  <m:ctrlPr>
+                                    <a:rPr lang="en-US" altLang="zh-TW" i="1">
+                                      <a:latin typeface="Cambria Math" panose="02040503050406030204" pitchFamily="18" charset="0"/>
+                                    </a:rPr>
+                                  </m:ctrlPr>
+                                </m:sSubPr>
+                                <m:e>
+                                  <m:r>
+                                    <a:rPr lang="zh-TW" altLang="en-US" i="1">
+                                      <a:latin typeface="Cambria Math" panose="02040503050406030204" pitchFamily="18" charset="0"/>
+                                    </a:rPr>
+                                    <m:t>𝜑</m:t>
+                                  </m:r>
+                                </m:e>
+                                <m:sub>
+                                  <m:r>
+                                    <a:rPr lang="en-US" altLang="zh-TW" b="0" i="1" smtClean="0">
+                                      <a:latin typeface="Cambria Math" panose="02040503050406030204" pitchFamily="18" charset="0"/>
+                                    </a:rPr>
+                                    <m:t>2</m:t>
+                                  </m:r>
+                                </m:sub>
+                              </m:sSub>
+                            </m:e>
+                          </m:func>
+                        </m:e>
+                      </m:d>
+                      <m:r>
+                        <a:rPr lang="en-US" altLang="zh-TW" b="0" i="1" smtClean="0">
+                          <a:latin typeface="Cambria Math" panose="02040503050406030204" pitchFamily="18" charset="0"/>
+                        </a:rPr>
+                        <m:t>=</m:t>
+                      </m:r>
+                      <m:r>
+                        <a:rPr lang="en-US" altLang="zh-TW" b="0" i="1" smtClean="0">
+                          <a:latin typeface="Cambria Math" panose="02040503050406030204" pitchFamily="18" charset="0"/>
+                        </a:rPr>
+                        <m:t>𝑑</m:t>
+                      </m:r>
+                      <m:r>
+                        <a:rPr lang="en-US" altLang="zh-TW" b="0" i="1" smtClean="0">
+                          <a:latin typeface="Cambria Math" panose="02040503050406030204" pitchFamily="18" charset="0"/>
+                        </a:rPr>
+                        <m:t>−</m:t>
+                      </m:r>
+                      <m:r>
+                        <a:rPr lang="en-US" altLang="zh-TW" b="0" i="1" smtClean="0">
+                          <a:latin typeface="Cambria Math" panose="02040503050406030204" pitchFamily="18" charset="0"/>
+                        </a:rPr>
+                        <m:t>𝑐</m:t>
+                      </m:r>
+                    </m:oMath>
+                  </m:oMathPara>
+                </a14:m>
+                <a:endParaRPr lang="zh-TW" altLang="en-US"/>
+              </a:p>
+            </p:txBody>
+          </p:sp>
+        </mc:Choice>
+        <mc:Fallback>
+          <p:sp>
+            <p:nvSpPr>
+              <p:cNvPr id="45" name="文字方塊 44">
+                <a:extLst>
+                  <a:ext uri="{FF2B5EF4-FFF2-40B4-BE49-F238E27FC236}">
+                    <a16:creationId xmlns:a16="http://schemas.microsoft.com/office/drawing/2014/main" id="{43785786-8C81-3F6E-1900-63FEDE13BC69}"/>
+                  </a:ext>
+                </a:extLst>
+              </p:cNvPr>
+              <p:cNvSpPr txBox="1">
+                <a:spLocks noRot="1" noChangeAspect="1" noMove="1" noResize="1" noEditPoints="1" noAdjustHandles="1" noChangeArrowheads="1" noChangeShapeType="1" noTextEdit="1"/>
+              </p:cNvSpPr>
+              <p:nvPr/>
+            </p:nvSpPr>
+            <p:spPr>
+              <a:xfrm>
+                <a:off x="1859204" y="3084420"/>
+                <a:ext cx="3428631" cy="622350"/>
+              </a:xfrm>
+              <a:prstGeom prst="rect">
+                <a:avLst/>
+              </a:prstGeom>
+              <a:blipFill>
+                <a:blip r:embed="rId10"/>
+                <a:stretch>
+                  <a:fillRect/>
+                </a:stretch>
+              </a:blipFill>
+            </p:spPr>
+            <p:txBody>
+              <a:bodyPr/>
+              <a:lstStyle/>
+              <a:p>
+                <a:r>
+                  <a:rPr lang="zh-TW" altLang="en-US">
+                    <a:noFill/>
+                  </a:rPr>
+                  <a:t> </a:t>
+                </a:r>
+              </a:p>
+            </p:txBody>
+          </p:sp>
+        </mc:Fallback>
+      </mc:AlternateContent>
+      <mc:AlternateContent xmlns:mc="http://schemas.openxmlformats.org/markup-compatibility/2006">
+        <mc:Choice xmlns:a14="http://schemas.microsoft.com/office/drawing/2010/main" Requires="a14">
+          <p:sp>
+            <p:nvSpPr>
+              <p:cNvPr id="46" name="文字方塊 45">
+                <a:extLst>
+                  <a:ext uri="{FF2B5EF4-FFF2-40B4-BE49-F238E27FC236}">
+                    <a16:creationId xmlns:a16="http://schemas.microsoft.com/office/drawing/2014/main" id="{151A103E-44B1-FD4B-5CC9-F9FC1EDD070B}"/>
+                  </a:ext>
+                </a:extLst>
+              </p:cNvPr>
+              <p:cNvSpPr txBox="1"/>
+              <p:nvPr/>
+            </p:nvSpPr>
+            <p:spPr>
+              <a:xfrm>
+                <a:off x="1937084" y="3781409"/>
+                <a:ext cx="1419556" cy="752065"/>
+              </a:xfrm>
+              <a:prstGeom prst="rect">
+                <a:avLst/>
+              </a:prstGeom>
+              <a:noFill/>
+            </p:spPr>
+            <p:txBody>
+              <a:bodyPr wrap="none" lIns="0" tIns="0" rIns="0" bIns="0" rtlCol="0">
+                <a:spAutoFit/>
+              </a:bodyPr>
+              <a:lstStyle/>
+              <a:p>
+                <a14:m>
+                  <m:oMathPara xmlns:m="http://schemas.openxmlformats.org/officeDocument/2006/math">
+                    <m:oMathParaPr>
+                      <m:jc m:val="centerGroup"/>
+                    </m:oMathParaPr>
+                    <m:oMath xmlns:m="http://schemas.openxmlformats.org/officeDocument/2006/math">
+                      <m:f>
+                        <m:fPr>
+                          <m:ctrlPr>
+                            <a:rPr lang="en-US" altLang="zh-TW" b="0" i="1" smtClean="0">
+                              <a:latin typeface="Cambria Math" panose="02040503050406030204" pitchFamily="18" charset="0"/>
+                            </a:rPr>
+                          </m:ctrlPr>
+                        </m:fPr>
+                        <m:num>
+                          <m:r>
+                            <a:rPr lang="en-US" altLang="zh-TW" b="0" i="1" smtClean="0">
+                              <a:latin typeface="Cambria Math" panose="02040503050406030204" pitchFamily="18" charset="0"/>
+                            </a:rPr>
+                            <m:t>𝐿</m:t>
+                          </m:r>
+                          <m:r>
+                            <a:rPr lang="en-US" altLang="zh-TW" b="0" i="1" smtClean="0">
+                              <a:latin typeface="Cambria Math" panose="02040503050406030204" pitchFamily="18" charset="0"/>
+                            </a:rPr>
+                            <m:t>−</m:t>
+                          </m:r>
+                          <m:f>
+                            <m:fPr>
+                              <m:ctrlPr>
+                                <a:rPr lang="en-US" altLang="zh-TW" b="0" i="1" smtClean="0">
+                                  <a:latin typeface="Cambria Math" panose="02040503050406030204" pitchFamily="18" charset="0"/>
+                                </a:rPr>
+                              </m:ctrlPr>
+                            </m:fPr>
+                            <m:num>
+                              <m:r>
+                                <a:rPr lang="en-US" altLang="zh-TW" b="0" i="1" smtClean="0">
+                                  <a:latin typeface="Cambria Math" panose="02040503050406030204" pitchFamily="18" charset="0"/>
+                                </a:rPr>
+                                <m:t>h</m:t>
+                              </m:r>
+                            </m:num>
+                            <m:den>
+                              <m:r>
+                                <a:rPr lang="en-US" altLang="zh-TW" b="0" i="1" smtClean="0">
+                                  <a:latin typeface="Cambria Math" panose="02040503050406030204" pitchFamily="18" charset="0"/>
+                                </a:rPr>
+                                <m:t>2</m:t>
+                              </m:r>
+                            </m:den>
+                          </m:f>
+                        </m:num>
+                        <m:den>
+                          <m:r>
+                            <a:rPr lang="en-US" altLang="zh-TW" b="0" i="1" smtClean="0">
+                              <a:latin typeface="Cambria Math" panose="02040503050406030204" pitchFamily="18" charset="0"/>
+                            </a:rPr>
+                            <m:t>𝐿</m:t>
+                          </m:r>
+                          <m:r>
+                            <a:rPr lang="en-US" altLang="zh-TW" b="0" i="1" smtClean="0">
+                              <a:latin typeface="Cambria Math" panose="02040503050406030204" pitchFamily="18" charset="0"/>
+                            </a:rPr>
+                            <m:t>−</m:t>
+                          </m:r>
+                          <m:r>
+                            <a:rPr lang="en-US" altLang="zh-TW" b="0" i="1" smtClean="0">
+                              <a:latin typeface="Cambria Math" panose="02040503050406030204" pitchFamily="18" charset="0"/>
+                            </a:rPr>
+                            <m:t>h</m:t>
+                          </m:r>
+                        </m:den>
+                      </m:f>
+                      <m:r>
+                        <a:rPr lang="en-US" altLang="zh-TW" b="0" i="1" smtClean="0">
+                          <a:latin typeface="Cambria Math" panose="02040503050406030204" pitchFamily="18" charset="0"/>
+                        </a:rPr>
+                        <m:t>=</m:t>
+                      </m:r>
+                      <m:f>
+                        <m:fPr>
+                          <m:ctrlPr>
+                            <a:rPr lang="en-US" altLang="zh-TW" b="0" i="1" smtClean="0">
+                              <a:latin typeface="Cambria Math" panose="02040503050406030204" pitchFamily="18" charset="0"/>
+                            </a:rPr>
+                          </m:ctrlPr>
+                        </m:fPr>
+                        <m:num>
+                          <m:r>
+                            <a:rPr lang="en-US" altLang="zh-TW" b="0" i="1" smtClean="0">
+                              <a:latin typeface="Cambria Math" panose="02040503050406030204" pitchFamily="18" charset="0"/>
+                            </a:rPr>
+                            <m:t>𝑑</m:t>
+                          </m:r>
+                          <m:r>
+                            <a:rPr lang="en-US" altLang="zh-TW" b="0" i="1" smtClean="0">
+                              <a:latin typeface="Cambria Math" panose="02040503050406030204" pitchFamily="18" charset="0"/>
+                            </a:rPr>
+                            <m:t>−</m:t>
+                          </m:r>
+                          <m:r>
+                            <a:rPr lang="en-US" altLang="zh-TW" b="0" i="1" smtClean="0">
+                              <a:latin typeface="Cambria Math" panose="02040503050406030204" pitchFamily="18" charset="0"/>
+                            </a:rPr>
+                            <m:t>𝑐</m:t>
+                          </m:r>
+                        </m:num>
+                        <m:den>
+                          <m:sSub>
+                            <m:sSubPr>
+                              <m:ctrlPr>
+                                <a:rPr lang="en-US" altLang="zh-TW" b="0" i="1" smtClean="0">
+                                  <a:latin typeface="Cambria Math" panose="02040503050406030204" pitchFamily="18" charset="0"/>
+                                </a:rPr>
+                              </m:ctrlPr>
+                            </m:sSubPr>
+                            <m:e>
+                              <m:r>
+                                <a:rPr lang="en-US" altLang="zh-TW" b="0" i="1" smtClean="0">
+                                  <a:latin typeface="Cambria Math" panose="02040503050406030204" pitchFamily="18" charset="0"/>
+                                </a:rPr>
+                                <m:t>𝑤</m:t>
+                              </m:r>
+                            </m:e>
+                            <m:sub>
+                              <m:r>
+                                <a:rPr lang="en-US" altLang="zh-TW" b="0" i="1" smtClean="0">
+                                  <a:latin typeface="Cambria Math" panose="02040503050406030204" pitchFamily="18" charset="0"/>
+                                </a:rPr>
+                                <m:t>𝑡</m:t>
+                              </m:r>
+                            </m:sub>
+                          </m:sSub>
+                        </m:den>
+                      </m:f>
+                    </m:oMath>
+                  </m:oMathPara>
+                </a14:m>
+                <a:endParaRPr lang="zh-TW" altLang="en-US"/>
+              </a:p>
+            </p:txBody>
+          </p:sp>
+        </mc:Choice>
+        <mc:Fallback>
+          <p:sp>
+            <p:nvSpPr>
+              <p:cNvPr id="46" name="文字方塊 45">
+                <a:extLst>
+                  <a:ext uri="{FF2B5EF4-FFF2-40B4-BE49-F238E27FC236}">
+                    <a16:creationId xmlns:a16="http://schemas.microsoft.com/office/drawing/2014/main" id="{151A103E-44B1-FD4B-5CC9-F9FC1EDD070B}"/>
+                  </a:ext>
+                </a:extLst>
+              </p:cNvPr>
+              <p:cNvSpPr txBox="1">
+                <a:spLocks noRot="1" noChangeAspect="1" noMove="1" noResize="1" noEditPoints="1" noAdjustHandles="1" noChangeArrowheads="1" noChangeShapeType="1" noTextEdit="1"/>
+              </p:cNvSpPr>
+              <p:nvPr/>
+            </p:nvSpPr>
+            <p:spPr>
+              <a:xfrm>
+                <a:off x="1937084" y="3781409"/>
+                <a:ext cx="1419556" cy="752065"/>
+              </a:xfrm>
+              <a:prstGeom prst="rect">
+                <a:avLst/>
+              </a:prstGeom>
+              <a:blipFill>
+                <a:blip r:embed="rId11"/>
+                <a:stretch>
+                  <a:fillRect/>
+                </a:stretch>
+              </a:blipFill>
+            </p:spPr>
+            <p:txBody>
+              <a:bodyPr/>
+              <a:lstStyle/>
+              <a:p>
+                <a:r>
+                  <a:rPr lang="zh-TW" altLang="en-US">
+                    <a:noFill/>
+                  </a:rPr>
+                  <a:t> </a:t>
+                </a:r>
+              </a:p>
+            </p:txBody>
+          </p:sp>
+        </mc:Fallback>
+      </mc:AlternateContent>
+      <mc:AlternateContent xmlns:mc="http://schemas.openxmlformats.org/markup-compatibility/2006">
+        <mc:Choice xmlns:a14="http://schemas.microsoft.com/office/drawing/2010/main" Requires="a14">
+          <p:sp>
+            <p:nvSpPr>
+              <p:cNvPr id="47" name="文字方塊 46">
+                <a:extLst>
+                  <a:ext uri="{FF2B5EF4-FFF2-40B4-BE49-F238E27FC236}">
+                    <a16:creationId xmlns:a16="http://schemas.microsoft.com/office/drawing/2014/main" id="{BF75FD89-E398-F86D-9C35-7E51F9470AAC}"/>
+                  </a:ext>
+                </a:extLst>
+              </p:cNvPr>
+              <p:cNvSpPr txBox="1"/>
+              <p:nvPr/>
+            </p:nvSpPr>
+            <p:spPr>
+              <a:xfrm>
+                <a:off x="3733675" y="3781409"/>
+                <a:ext cx="1419556" cy="752065"/>
+              </a:xfrm>
+              <a:prstGeom prst="rect">
+                <a:avLst/>
+              </a:prstGeom>
+              <a:noFill/>
+            </p:spPr>
+            <p:txBody>
+              <a:bodyPr wrap="none" lIns="0" tIns="0" rIns="0" bIns="0" rtlCol="0">
+                <a:spAutoFit/>
+              </a:bodyPr>
+              <a:lstStyle/>
+              <a:p>
+                <a14:m>
+                  <m:oMathPara xmlns:m="http://schemas.openxmlformats.org/officeDocument/2006/math">
+                    <m:oMathParaPr>
+                      <m:jc m:val="centerGroup"/>
+                    </m:oMathParaPr>
+                    <m:oMath xmlns:m="http://schemas.openxmlformats.org/officeDocument/2006/math">
+                      <m:f>
+                        <m:fPr>
+                          <m:ctrlPr>
+                            <a:rPr lang="en-US" altLang="zh-TW" b="0" i="1" smtClean="0">
+                              <a:latin typeface="Cambria Math" panose="02040503050406030204" pitchFamily="18" charset="0"/>
+                            </a:rPr>
+                          </m:ctrlPr>
+                        </m:fPr>
+                        <m:num>
+                          <m:r>
+                            <a:rPr lang="en-US" altLang="zh-TW" b="0" i="1" smtClean="0">
+                              <a:latin typeface="Cambria Math" panose="02040503050406030204" pitchFamily="18" charset="0"/>
+                            </a:rPr>
+                            <m:t>𝐿</m:t>
+                          </m:r>
+                          <m:r>
+                            <a:rPr lang="en-US" altLang="zh-TW" b="0" i="1" smtClean="0">
+                              <a:latin typeface="Cambria Math" panose="02040503050406030204" pitchFamily="18" charset="0"/>
+                            </a:rPr>
+                            <m:t>−</m:t>
+                          </m:r>
+                          <m:f>
+                            <m:fPr>
+                              <m:ctrlPr>
+                                <a:rPr lang="en-US" altLang="zh-TW" b="0" i="1" smtClean="0">
+                                  <a:latin typeface="Cambria Math" panose="02040503050406030204" pitchFamily="18" charset="0"/>
+                                </a:rPr>
+                              </m:ctrlPr>
+                            </m:fPr>
+                            <m:num>
+                              <m:r>
+                                <a:rPr lang="en-US" altLang="zh-TW" b="0" i="1" smtClean="0">
+                                  <a:latin typeface="Cambria Math" panose="02040503050406030204" pitchFamily="18" charset="0"/>
+                                </a:rPr>
+                                <m:t>h</m:t>
+                              </m:r>
+                            </m:num>
+                            <m:den>
+                              <m:r>
+                                <a:rPr lang="en-US" altLang="zh-TW" b="0" i="1" smtClean="0">
+                                  <a:latin typeface="Cambria Math" panose="02040503050406030204" pitchFamily="18" charset="0"/>
+                                </a:rPr>
+                                <m:t>2</m:t>
+                              </m:r>
+                            </m:den>
+                          </m:f>
+                        </m:num>
+                        <m:den>
+                          <m:r>
+                            <a:rPr lang="en-US" altLang="zh-TW" b="0" i="1" smtClean="0">
+                              <a:latin typeface="Cambria Math" panose="02040503050406030204" pitchFamily="18" charset="0"/>
+                            </a:rPr>
+                            <m:t>𝐿</m:t>
+                          </m:r>
+                        </m:den>
+                      </m:f>
+                      <m:r>
+                        <a:rPr lang="en-US" altLang="zh-TW" b="0" i="1" smtClean="0">
+                          <a:latin typeface="Cambria Math" panose="02040503050406030204" pitchFamily="18" charset="0"/>
+                        </a:rPr>
+                        <m:t>=</m:t>
+                      </m:r>
+                      <m:f>
+                        <m:fPr>
+                          <m:ctrlPr>
+                            <a:rPr lang="en-US" altLang="zh-TW" b="0" i="1" smtClean="0">
+                              <a:latin typeface="Cambria Math" panose="02040503050406030204" pitchFamily="18" charset="0"/>
+                            </a:rPr>
+                          </m:ctrlPr>
+                        </m:fPr>
+                        <m:num>
+                          <m:r>
+                            <a:rPr lang="en-US" altLang="zh-TW" b="0" i="1" smtClean="0">
+                              <a:latin typeface="Cambria Math" panose="02040503050406030204" pitchFamily="18" charset="0"/>
+                            </a:rPr>
+                            <m:t>𝑑</m:t>
+                          </m:r>
+                          <m:r>
+                            <a:rPr lang="en-US" altLang="zh-TW" b="0" i="1" smtClean="0">
+                              <a:latin typeface="Cambria Math" panose="02040503050406030204" pitchFamily="18" charset="0"/>
+                            </a:rPr>
+                            <m:t>−</m:t>
+                          </m:r>
+                          <m:r>
+                            <a:rPr lang="en-US" altLang="zh-TW" b="0" i="1" smtClean="0">
+                              <a:latin typeface="Cambria Math" panose="02040503050406030204" pitchFamily="18" charset="0"/>
+                            </a:rPr>
+                            <m:t>𝑐</m:t>
+                          </m:r>
+                        </m:num>
+                        <m:den>
+                          <m:sSub>
+                            <m:sSubPr>
+                              <m:ctrlPr>
+                                <a:rPr lang="en-US" altLang="zh-TW" b="0" i="1" smtClean="0">
+                                  <a:latin typeface="Cambria Math" panose="02040503050406030204" pitchFamily="18" charset="0"/>
+                                </a:rPr>
+                              </m:ctrlPr>
+                            </m:sSubPr>
+                            <m:e>
+                              <m:r>
+                                <a:rPr lang="en-US" altLang="zh-TW" b="0" i="1" smtClean="0">
+                                  <a:latin typeface="Cambria Math" panose="02040503050406030204" pitchFamily="18" charset="0"/>
+                                </a:rPr>
+                                <m:t>𝑤</m:t>
+                              </m:r>
+                            </m:e>
+                            <m:sub>
+                              <m:r>
+                                <a:rPr lang="en-US" altLang="zh-TW" b="0" i="1" smtClean="0">
+                                  <a:latin typeface="Cambria Math" panose="02040503050406030204" pitchFamily="18" charset="0"/>
+                                </a:rPr>
+                                <m:t>𝑏</m:t>
+                              </m:r>
+                            </m:sub>
+                          </m:sSub>
+                        </m:den>
+                      </m:f>
+                    </m:oMath>
+                  </m:oMathPara>
+                </a14:m>
+                <a:endParaRPr lang="zh-TW" altLang="en-US"/>
+              </a:p>
+            </p:txBody>
+          </p:sp>
+        </mc:Choice>
+        <mc:Fallback>
+          <p:sp>
+            <p:nvSpPr>
+              <p:cNvPr id="47" name="文字方塊 46">
+                <a:extLst>
+                  <a:ext uri="{FF2B5EF4-FFF2-40B4-BE49-F238E27FC236}">
+                    <a16:creationId xmlns:a16="http://schemas.microsoft.com/office/drawing/2014/main" id="{BF75FD89-E398-F86D-9C35-7E51F9470AAC}"/>
+                  </a:ext>
+                </a:extLst>
+              </p:cNvPr>
+              <p:cNvSpPr txBox="1">
+                <a:spLocks noRot="1" noChangeAspect="1" noMove="1" noResize="1" noEditPoints="1" noAdjustHandles="1" noChangeArrowheads="1" noChangeShapeType="1" noTextEdit="1"/>
+              </p:cNvSpPr>
+              <p:nvPr/>
+            </p:nvSpPr>
+            <p:spPr>
+              <a:xfrm>
+                <a:off x="3733675" y="3781409"/>
+                <a:ext cx="1419556" cy="752065"/>
+              </a:xfrm>
+              <a:prstGeom prst="rect">
+                <a:avLst/>
+              </a:prstGeom>
+              <a:blipFill>
+                <a:blip r:embed="rId12"/>
+                <a:stretch>
+                  <a:fillRect/>
+                </a:stretch>
+              </a:blipFill>
+            </p:spPr>
+            <p:txBody>
+              <a:bodyPr/>
+              <a:lstStyle/>
+              <a:p>
+                <a:r>
+                  <a:rPr lang="zh-TW" altLang="en-US">
+                    <a:noFill/>
+                  </a:rPr>
+                  <a:t> </a:t>
+                </a:r>
+              </a:p>
+            </p:txBody>
+          </p:sp>
+        </mc:Fallback>
+      </mc:AlternateContent>
+    </p:spTree>
+    <p:extLst>
+      <p:ext uri="{BB962C8B-B14F-4D97-AF65-F5344CB8AC3E}">
+        <p14:creationId xmlns:p14="http://schemas.microsoft.com/office/powerpoint/2010/main" val="36935066"/>
+      </p:ext>
+    </p:extLst>
+  </p:cSld>
+  <p:clrMapOvr>
+    <a:masterClrMapping/>
+  </p:clrMapOvr>
+</p:sld>
+</file>
+
 <file path=ppt/theme/theme1.xml><?xml version="1.0" encoding="utf-8"?>
 <a:theme xmlns:a="http://schemas.openxmlformats.org/drawingml/2006/main" name="Office 佈景主題">
   <a:themeElements>
